--- a/reports/Discussion.pptx
+++ b/reports/Discussion.pptx
@@ -210,7 +210,7 @@
           <a:p>
             <a:fld id="{1C886C81-F242-0549-9BC1-F449630D8653}" type="datetimeFigureOut">
               <a:rPr lang="en-US" smtClean="0"/>
-              <a:t>8/18/2018</a:t>
+              <a:t>8/25/18</a:t>
             </a:fld>
             <a:endParaRPr lang="en-US"/>
           </a:p>
@@ -368,7 +368,7 @@
           <a:p>
             <a:fld id="{2B005D37-54BB-2E4F-99A3-E06FB375AFA4}" type="slidenum">
               <a:rPr lang="en-US" smtClean="0"/>
-              <a:t>‹N›</a:t>
+              <a:t>‹#›</a:t>
             </a:fld>
             <a:endParaRPr lang="en-US"/>
           </a:p>
@@ -1032,16 +1032,12 @@
           <a:lstStyle/>
           <a:p>
             <a:r>
-              <a:rPr lang="en-US" dirty="0" err="1" smtClean="0"/>
+              <a:rPr lang="en-US" dirty="0" err="1"/>
               <a:t>Latexit</a:t>
             </a:r>
             <a:r>
-              <a:rPr lang="en-US" dirty="0" smtClean="0"/>
-              <a:t> </a:t>
-            </a:r>
-            <a:r>
               <a:rPr lang="en-US" dirty="0"/>
-              <a:t>code:</a:t>
+              <a:t> code:</a:t>
             </a:r>
           </a:p>
           <a:p>
@@ -1503,56 +1499,16 @@
           <a:lstStyle/>
           <a:p>
             <a:r>
-              <a:rPr lang="it-IT" b="1" dirty="0"/>
+              <a:rPr lang="en-US" b="1" noProof="0" dirty="0"/>
               <a:t>From Andrea to Rui</a:t>
             </a:r>
             <a:r>
-              <a:rPr lang="it-IT" dirty="0"/>
-              <a:t>: </a:t>
-            </a:r>
-            <a:r>
-              <a:rPr lang="it-IT" dirty="0" err="1"/>
-              <a:t>Please</a:t>
-            </a:r>
-            <a:r>
-              <a:rPr lang="it-IT" dirty="0"/>
-              <a:t> </a:t>
-            </a:r>
-            <a:r>
-              <a:rPr lang="it-IT" dirty="0" err="1"/>
-              <a:t>keep</a:t>
-            </a:r>
-            <a:r>
-              <a:rPr lang="it-IT" dirty="0"/>
-              <a:t> </a:t>
-            </a:r>
-            <a:r>
-              <a:rPr lang="it-IT" dirty="0" err="1"/>
-              <a:t>this</a:t>
-            </a:r>
-            <a:r>
-              <a:rPr lang="it-IT" dirty="0"/>
-              <a:t> slide </a:t>
-            </a:r>
-            <a:r>
-              <a:rPr lang="it-IT" dirty="0" err="1"/>
-              <a:t>continuously</a:t>
-            </a:r>
-            <a:r>
-              <a:rPr lang="it-IT" dirty="0"/>
-              <a:t> </a:t>
-            </a:r>
-            <a:r>
-              <a:rPr lang="it-IT" dirty="0" err="1"/>
-              <a:t>updated</a:t>
-            </a:r>
-            <a:r>
-              <a:rPr lang="it-IT" dirty="0"/>
-              <a:t> </a:t>
-            </a:r>
-          </a:p>
-          <a:p>
-            <a:endParaRPr lang="en-US" dirty="0"/>
+              <a:rPr lang="en-US" noProof="0" dirty="0"/>
+              <a:t>: Please keep this slide continuously updated </a:t>
+            </a:r>
+          </a:p>
+          <a:p>
+            <a:endParaRPr lang="en-US" noProof="0" dirty="0"/>
           </a:p>
         </p:txBody>
       </p:sp>
@@ -1654,56 +1610,16 @@
               <a:defRPr/>
             </a:pPr>
             <a:r>
-              <a:rPr lang="it-IT" b="1" dirty="0"/>
+              <a:rPr lang="en-US" b="1" noProof="0" dirty="0"/>
               <a:t>From Andrea to Rui</a:t>
             </a:r>
             <a:r>
-              <a:rPr lang="it-IT" dirty="0"/>
-              <a:t>: </a:t>
-            </a:r>
-            <a:r>
-              <a:rPr lang="it-IT" dirty="0" err="1"/>
-              <a:t>Please</a:t>
-            </a:r>
-            <a:r>
-              <a:rPr lang="it-IT" dirty="0"/>
-              <a:t> </a:t>
-            </a:r>
-            <a:r>
-              <a:rPr lang="it-IT" dirty="0" err="1"/>
-              <a:t>keep</a:t>
-            </a:r>
-            <a:r>
-              <a:rPr lang="it-IT" dirty="0"/>
-              <a:t> </a:t>
-            </a:r>
-            <a:r>
-              <a:rPr lang="it-IT" dirty="0" err="1"/>
-              <a:t>this</a:t>
-            </a:r>
-            <a:r>
-              <a:rPr lang="it-IT" dirty="0"/>
-              <a:t> slide </a:t>
-            </a:r>
-            <a:r>
-              <a:rPr lang="it-IT" dirty="0" err="1"/>
-              <a:t>continuously</a:t>
-            </a:r>
-            <a:r>
-              <a:rPr lang="it-IT" dirty="0"/>
-              <a:t> </a:t>
-            </a:r>
-            <a:r>
-              <a:rPr lang="it-IT" dirty="0" err="1"/>
-              <a:t>updated</a:t>
-            </a:r>
-            <a:r>
-              <a:rPr lang="it-IT" dirty="0"/>
-              <a:t> </a:t>
-            </a:r>
-          </a:p>
-          <a:p>
-            <a:endParaRPr lang="en-US" dirty="0"/>
+              <a:rPr lang="en-US" noProof="0" dirty="0"/>
+              <a:t>: Please keep this slide continuously updated </a:t>
+            </a:r>
+          </a:p>
+          <a:p>
+            <a:endParaRPr lang="en-US" noProof="0" dirty="0"/>
           </a:p>
         </p:txBody>
       </p:sp>
@@ -1810,11 +1726,7 @@
             </a:r>
             <a:r>
               <a:rPr lang="en-US" noProof="0" dirty="0"/>
-              <a:t>: What about the t-poison-factor and </a:t>
-            </a:r>
-            <a:r>
-              <a:rPr lang="en-US" noProof="0" dirty="0" smtClean="0"/>
-              <a:t>t-bogus-factor?</a:t>
+              <a:t>: What about the t-poison-factor and t-bogus-factor?</a:t>
             </a:r>
           </a:p>
           <a:p>
@@ -1836,30 +1748,30 @@
               <a:defRPr/>
             </a:pPr>
             <a:r>
-              <a:rPr lang="en-US" b="1" noProof="0" dirty="0" smtClean="0"/>
+              <a:rPr lang="en-US" b="1" noProof="0" dirty="0"/>
               <a:t>From Andrea to </a:t>
             </a:r>
             <a:r>
-              <a:rPr lang="en-US" b="1" noProof="0" dirty="0" err="1" smtClean="0"/>
+              <a:rPr lang="en-US" b="1" noProof="0" dirty="0" err="1"/>
               <a:t>Rui</a:t>
             </a:r>
             <a:r>
-              <a:rPr lang="en-US" noProof="0" dirty="0" smtClean="0"/>
+              <a:rPr lang="en-US" noProof="0" dirty="0"/>
               <a:t>: Let’s just vary K for now. Given K w</a:t>
             </a:r>
             <a:r>
-              <a:rPr lang="en-US" baseline="0" noProof="0" dirty="0" smtClean="0"/>
+              <a:rPr lang="en-US" baseline="0" noProof="0" dirty="0"/>
               <a:t>e can always compute </a:t>
             </a:r>
             <a:r>
-              <a:rPr lang="en-US" noProof="0" dirty="0" smtClean="0"/>
+              <a:rPr lang="en-US" noProof="0" dirty="0"/>
               <a:t>the corresponding t-poison-factor and t-bogus-factor, so I</a:t>
             </a:r>
             <a:r>
-              <a:rPr lang="en-US" baseline="0" noProof="0" dirty="0" smtClean="0"/>
+              <a:rPr lang="en-US" baseline="0" noProof="0" dirty="0"/>
               <a:t> think it will be a matter of what we eventually prefer to present.</a:t>
             </a:r>
-            <a:endParaRPr lang="en-US" noProof="0" dirty="0" smtClean="0"/>
+            <a:endParaRPr lang="en-US" noProof="0" dirty="0"/>
           </a:p>
           <a:p>
             <a:pPr marL="0" marR="0" lvl="0" indent="0" algn="l" defTabSz="914400" rtl="0" eaLnBrk="1" fontAlgn="auto" latinLnBrk="0" hangingPunct="1">
@@ -2153,7 +2065,7 @@
           <a:p>
             <a:fld id="{ECF09065-9E76-5C45-B7CB-C2EC2E2D247B}" type="datetimeFigureOut">
               <a:rPr lang="en-US" smtClean="0"/>
-              <a:t>8/18/2018</a:t>
+              <a:t>8/25/18</a:t>
             </a:fld>
             <a:endParaRPr lang="en-US"/>
           </a:p>
@@ -2207,7 +2119,7 @@
           <a:p>
             <a:fld id="{9EDD7397-CFC9-1E49-8FD3-94FB84D05EDE}" type="slidenum">
               <a:rPr lang="en-US" smtClean="0"/>
-              <a:t>‹N›</a:t>
+              <a:t>‹#›</a:t>
             </a:fld>
             <a:endParaRPr lang="en-US"/>
           </a:p>
@@ -2351,7 +2263,7 @@
           <a:p>
             <a:fld id="{ECF09065-9E76-5C45-B7CB-C2EC2E2D247B}" type="datetimeFigureOut">
               <a:rPr lang="en-US" smtClean="0"/>
-              <a:t>8/18/2018</a:t>
+              <a:t>8/25/18</a:t>
             </a:fld>
             <a:endParaRPr lang="en-US"/>
           </a:p>
@@ -2405,7 +2317,7 @@
           <a:p>
             <a:fld id="{9EDD7397-CFC9-1E49-8FD3-94FB84D05EDE}" type="slidenum">
               <a:rPr lang="en-US" smtClean="0"/>
-              <a:t>‹N›</a:t>
+              <a:t>‹#›</a:t>
             </a:fld>
             <a:endParaRPr lang="en-US"/>
           </a:p>
@@ -2559,7 +2471,7 @@
           <a:p>
             <a:fld id="{ECF09065-9E76-5C45-B7CB-C2EC2E2D247B}" type="datetimeFigureOut">
               <a:rPr lang="en-US" smtClean="0"/>
-              <a:t>8/18/2018</a:t>
+              <a:t>8/25/18</a:t>
             </a:fld>
             <a:endParaRPr lang="en-US"/>
           </a:p>
@@ -2613,7 +2525,7 @@
           <a:p>
             <a:fld id="{9EDD7397-CFC9-1E49-8FD3-94FB84D05EDE}" type="slidenum">
               <a:rPr lang="en-US" smtClean="0"/>
-              <a:t>‹N›</a:t>
+              <a:t>‹#›</a:t>
             </a:fld>
             <a:endParaRPr lang="en-US"/>
           </a:p>
@@ -2757,7 +2669,7 @@
           <a:p>
             <a:fld id="{ECF09065-9E76-5C45-B7CB-C2EC2E2D247B}" type="datetimeFigureOut">
               <a:rPr lang="en-US" smtClean="0"/>
-              <a:t>8/18/2018</a:t>
+              <a:t>8/25/18</a:t>
             </a:fld>
             <a:endParaRPr lang="en-US"/>
           </a:p>
@@ -2811,7 +2723,7 @@
           <a:p>
             <a:fld id="{9EDD7397-CFC9-1E49-8FD3-94FB84D05EDE}" type="slidenum">
               <a:rPr lang="en-US" smtClean="0"/>
-              <a:t>‹N›</a:t>
+              <a:t>‹#›</a:t>
             </a:fld>
             <a:endParaRPr lang="en-US"/>
           </a:p>
@@ -3032,7 +2944,7 @@
           <a:p>
             <a:fld id="{ECF09065-9E76-5C45-B7CB-C2EC2E2D247B}" type="datetimeFigureOut">
               <a:rPr lang="en-US" smtClean="0"/>
-              <a:t>8/18/2018</a:t>
+              <a:t>8/25/18</a:t>
             </a:fld>
             <a:endParaRPr lang="en-US"/>
           </a:p>
@@ -3086,7 +2998,7 @@
           <a:p>
             <a:fld id="{9EDD7397-CFC9-1E49-8FD3-94FB84D05EDE}" type="slidenum">
               <a:rPr lang="en-US" smtClean="0"/>
-              <a:t>‹N›</a:t>
+              <a:t>‹#›</a:t>
             </a:fld>
             <a:endParaRPr lang="en-US"/>
           </a:p>
@@ -3297,7 +3209,7 @@
           <a:p>
             <a:fld id="{ECF09065-9E76-5C45-B7CB-C2EC2E2D247B}" type="datetimeFigureOut">
               <a:rPr lang="en-US" smtClean="0"/>
-              <a:t>8/18/2018</a:t>
+              <a:t>8/25/18</a:t>
             </a:fld>
             <a:endParaRPr lang="en-US"/>
           </a:p>
@@ -3351,7 +3263,7 @@
           <a:p>
             <a:fld id="{9EDD7397-CFC9-1E49-8FD3-94FB84D05EDE}" type="slidenum">
               <a:rPr lang="en-US" smtClean="0"/>
-              <a:t>‹N›</a:t>
+              <a:t>‹#›</a:t>
             </a:fld>
             <a:endParaRPr lang="en-US"/>
           </a:p>
@@ -3709,7 +3621,7 @@
           <a:p>
             <a:fld id="{ECF09065-9E76-5C45-B7CB-C2EC2E2D247B}" type="datetimeFigureOut">
               <a:rPr lang="en-US" smtClean="0"/>
-              <a:t>8/18/2018</a:t>
+              <a:t>8/25/18</a:t>
             </a:fld>
             <a:endParaRPr lang="en-US"/>
           </a:p>
@@ -3763,7 +3675,7 @@
           <a:p>
             <a:fld id="{9EDD7397-CFC9-1E49-8FD3-94FB84D05EDE}" type="slidenum">
               <a:rPr lang="en-US" smtClean="0"/>
-              <a:t>‹N›</a:t>
+              <a:t>‹#›</a:t>
             </a:fld>
             <a:endParaRPr lang="en-US"/>
           </a:p>
@@ -3850,7 +3762,7 @@
           <a:p>
             <a:fld id="{ECF09065-9E76-5C45-B7CB-C2EC2E2D247B}" type="datetimeFigureOut">
               <a:rPr lang="en-US" smtClean="0"/>
-              <a:t>8/18/2018</a:t>
+              <a:t>8/25/18</a:t>
             </a:fld>
             <a:endParaRPr lang="en-US"/>
           </a:p>
@@ -3904,7 +3816,7 @@
           <a:p>
             <a:fld id="{9EDD7397-CFC9-1E49-8FD3-94FB84D05EDE}" type="slidenum">
               <a:rPr lang="en-US" smtClean="0"/>
-              <a:t>‹N›</a:t>
+              <a:t>‹#›</a:t>
             </a:fld>
             <a:endParaRPr lang="en-US"/>
           </a:p>
@@ -3963,7 +3875,7 @@
           <a:p>
             <a:fld id="{ECF09065-9E76-5C45-B7CB-C2EC2E2D247B}" type="datetimeFigureOut">
               <a:rPr lang="en-US" smtClean="0"/>
-              <a:t>8/18/2018</a:t>
+              <a:t>8/25/18</a:t>
             </a:fld>
             <a:endParaRPr lang="en-US"/>
           </a:p>
@@ -4017,7 +3929,7 @@
           <a:p>
             <a:fld id="{9EDD7397-CFC9-1E49-8FD3-94FB84D05EDE}" type="slidenum">
               <a:rPr lang="en-US" smtClean="0"/>
-              <a:t>‹N›</a:t>
+              <a:t>‹#›</a:t>
             </a:fld>
             <a:endParaRPr lang="en-US"/>
           </a:p>
@@ -4274,7 +4186,7 @@
           <a:p>
             <a:fld id="{ECF09065-9E76-5C45-B7CB-C2EC2E2D247B}" type="datetimeFigureOut">
               <a:rPr lang="en-US" smtClean="0"/>
-              <a:t>8/18/2018</a:t>
+              <a:t>8/25/18</a:t>
             </a:fld>
             <a:endParaRPr lang="en-US"/>
           </a:p>
@@ -4328,7 +4240,7 @@
           <a:p>
             <a:fld id="{9EDD7397-CFC9-1E49-8FD3-94FB84D05EDE}" type="slidenum">
               <a:rPr lang="en-US" smtClean="0"/>
-              <a:t>‹N›</a:t>
+              <a:t>‹#›</a:t>
             </a:fld>
             <a:endParaRPr lang="en-US"/>
           </a:p>
@@ -4562,7 +4474,7 @@
           <a:p>
             <a:fld id="{ECF09065-9E76-5C45-B7CB-C2EC2E2D247B}" type="datetimeFigureOut">
               <a:rPr lang="en-US" smtClean="0"/>
-              <a:t>8/18/2018</a:t>
+              <a:t>8/25/18</a:t>
             </a:fld>
             <a:endParaRPr lang="en-US"/>
           </a:p>
@@ -4616,7 +4528,7 @@
           <a:p>
             <a:fld id="{9EDD7397-CFC9-1E49-8FD3-94FB84D05EDE}" type="slidenum">
               <a:rPr lang="en-US" smtClean="0"/>
-              <a:t>‹N›</a:t>
+              <a:t>‹#›</a:t>
             </a:fld>
             <a:endParaRPr lang="en-US"/>
           </a:p>
@@ -4803,7 +4715,7 @@
           <a:p>
             <a:fld id="{ECF09065-9E76-5C45-B7CB-C2EC2E2D247B}" type="datetimeFigureOut">
               <a:rPr lang="en-US" smtClean="0"/>
-              <a:t>8/18/2018</a:t>
+              <a:t>8/25/18</a:t>
             </a:fld>
             <a:endParaRPr lang="en-US"/>
           </a:p>
@@ -4893,7 +4805,7 @@
           <a:p>
             <a:fld id="{9EDD7397-CFC9-1E49-8FD3-94FB84D05EDE}" type="slidenum">
               <a:rPr lang="en-US" smtClean="0"/>
-              <a:t>‹N›</a:t>
+              <a:t>‹#›</a:t>
             </a:fld>
             <a:endParaRPr lang="en-US"/>
           </a:p>
@@ -6352,12 +6264,8 @@
               <a:buNone/>
             </a:pPr>
             <a:r>
-              <a:rPr lang="en-US" sz="2000" dirty="0" smtClean="0"/>
-              <a:t>We </a:t>
-            </a:r>
-            <a:r>
               <a:rPr lang="en-US" sz="2000" dirty="0"/>
-              <a:t>assume (</a:t>
+              <a:t>We assume (</a:t>
             </a:r>
             <a:r>
               <a:rPr lang="en-US" sz="2000" dirty="0" err="1"/>
@@ -9046,330 +8954,85 @@
           <a:lstStyle/>
           <a:p>
             <a:r>
-              <a:rPr lang="it-IT" dirty="0" err="1"/>
-              <a:t>Our</a:t>
-            </a:r>
-            <a:r>
-              <a:rPr lang="it-IT" dirty="0"/>
-              <a:t> goal </a:t>
-            </a:r>
-            <a:r>
-              <a:rPr lang="it-IT" dirty="0" err="1"/>
-              <a:t>is</a:t>
-            </a:r>
-            <a:r>
-              <a:rPr lang="it-IT" dirty="0"/>
-              <a:t> a new </a:t>
-            </a:r>
-            <a:r>
               <a:rPr lang="en-US" dirty="0"/>
-              <a:t>algorithm</a:t>
-            </a:r>
-            <a:r>
-              <a:rPr lang="it-IT" dirty="0"/>
+              <a:t>Our goal is a new algorithm that is </a:t>
+            </a:r>
+            <a:r>
+              <a:rPr lang="en-US" dirty="0" err="1"/>
+              <a:t>resistent</a:t>
+            </a:r>
+            <a:r>
+              <a:rPr lang="en-US" dirty="0"/>
+              <a:t> to this type of attack. So, the competitors are other fraudulent detectors.</a:t>
+            </a:r>
+          </a:p>
+          <a:p>
+            <a:pPr lvl="1"/>
+            <a:r>
+              <a:rPr lang="en-US" dirty="0"/>
+              <a:t>Rev2: </a:t>
+            </a:r>
+            <a:r>
+              <a:rPr lang="en-US" dirty="0" err="1"/>
+              <a:t>Srijan</a:t>
+            </a:r>
+            <a:r>
+              <a:rPr lang="en-US" dirty="0"/>
+              <a:t> Kumar, et al. REV2: Fraudulent User Prediction in Rating Platforms. (WSDM 2016)</a:t>
+            </a:r>
+          </a:p>
+          <a:p>
+            <a:pPr lvl="1"/>
+            <a:r>
+              <a:rPr lang="en-US" dirty="0"/>
+              <a:t>Bad: Abhinav Mishra, Arnab Bhattacharya. Finding the Bias and Prestige of Nodes in Networks based on Trust Scores. (WWW 2011)</a:t>
+            </a:r>
+          </a:p>
+          <a:p>
+            <a:pPr lvl="1"/>
+            <a:r>
+              <a:rPr lang="en-US" dirty="0" err="1"/>
+              <a:t>Birdnest</a:t>
+            </a:r>
+            <a:r>
+              <a:rPr lang="en-US" dirty="0"/>
+              <a:t>: Bryan </a:t>
+            </a:r>
+            <a:r>
+              <a:rPr lang="en-US" dirty="0" err="1"/>
+              <a:t>Hooi</a:t>
+            </a:r>
+            <a:r>
+              <a:rPr lang="en-US" dirty="0"/>
+              <a:t>, et al. Bayesian Inference for Ratings-Fraud Detection. (SIAM 2016)</a:t>
+            </a:r>
+          </a:p>
+          <a:p>
+            <a:pPr lvl="1"/>
+            <a:r>
+              <a:rPr lang="en-US" dirty="0"/>
+              <a:t>Trust: Guan Wang, </a:t>
+            </a:r>
+            <a:r>
+              <a:rPr lang="en-US" dirty="0" err="1"/>
+              <a:t>Sihong</a:t>
+            </a:r>
+            <a:r>
+              <a:rPr lang="en-US" dirty="0"/>
               <a:t> </a:t>
             </a:r>
             <a:r>
+              <a:rPr lang="en-US" dirty="0" err="1"/>
+              <a:t>Xie</a:t>
+            </a:r>
+            <a:r>
               <a:rPr lang="en-US" dirty="0"/>
-              <a:t>that</a:t>
-            </a:r>
-            <a:r>
-              <a:rPr lang="it-IT" dirty="0"/>
-              <a:t> </a:t>
-            </a:r>
-            <a:r>
-              <a:rPr lang="it-IT" dirty="0" err="1"/>
-              <a:t>is</a:t>
-            </a:r>
-            <a:r>
-              <a:rPr lang="it-IT" dirty="0"/>
-              <a:t> </a:t>
-            </a:r>
-            <a:r>
-              <a:rPr lang="it-IT" dirty="0" err="1"/>
-              <a:t>resistent</a:t>
-            </a:r>
-            <a:r>
-              <a:rPr lang="it-IT" dirty="0"/>
-              <a:t> to </a:t>
-            </a:r>
-            <a:r>
-              <a:rPr lang="it-IT" dirty="0" err="1"/>
-              <a:t>this</a:t>
-            </a:r>
-            <a:r>
-              <a:rPr lang="it-IT" dirty="0"/>
-              <a:t> </a:t>
-            </a:r>
-            <a:r>
-              <a:rPr lang="it-IT" dirty="0" err="1"/>
-              <a:t>type</a:t>
-            </a:r>
-            <a:r>
-              <a:rPr lang="it-IT" dirty="0"/>
-              <a:t> of </a:t>
-            </a:r>
-            <a:r>
-              <a:rPr lang="it-IT" dirty="0" err="1"/>
-              <a:t>attack</a:t>
-            </a:r>
-            <a:r>
-              <a:rPr lang="it-IT" dirty="0"/>
-              <a:t>. So, the competitors are </a:t>
-            </a:r>
-            <a:r>
-              <a:rPr lang="it-IT" dirty="0" err="1"/>
-              <a:t>other</a:t>
-            </a:r>
-            <a:r>
-              <a:rPr lang="it-IT" dirty="0"/>
-              <a:t> </a:t>
-            </a:r>
-            <a:r>
-              <a:rPr lang="it-IT" dirty="0" err="1"/>
-              <a:t>fraudulent</a:t>
-            </a:r>
-            <a:r>
-              <a:rPr lang="it-IT" dirty="0"/>
-              <a:t> detectors.</a:t>
+              <a:t>, Bing Liu, Philip Yu. Review graph based online store review spammer detection. (ICDM 2011)</a:t>
             </a:r>
           </a:p>
           <a:p>
             <a:pPr lvl="1"/>
-            <a:r>
-              <a:rPr lang="it-IT" dirty="0"/>
-              <a:t>Rev2: </a:t>
-            </a:r>
-            <a:r>
-              <a:rPr lang="it-IT" dirty="0" err="1"/>
-              <a:t>Srijan</a:t>
-            </a:r>
-            <a:r>
-              <a:rPr lang="it-IT" dirty="0"/>
-              <a:t> Kumar, et al. REV2: </a:t>
-            </a:r>
-            <a:r>
-              <a:rPr lang="it-IT" dirty="0" err="1"/>
-              <a:t>Fraudulent</a:t>
-            </a:r>
-            <a:r>
-              <a:rPr lang="it-IT" dirty="0"/>
-              <a:t> User </a:t>
-            </a:r>
-            <a:r>
-              <a:rPr lang="it-IT" dirty="0" err="1"/>
-              <a:t>Prediction</a:t>
-            </a:r>
-            <a:r>
-              <a:rPr lang="it-IT" dirty="0"/>
-              <a:t> in Rating </a:t>
-            </a:r>
-            <a:r>
-              <a:rPr lang="it-IT" dirty="0" err="1"/>
-              <a:t>Platforms</a:t>
-            </a:r>
-            <a:r>
-              <a:rPr lang="it-IT" dirty="0"/>
-              <a:t>. (WSDM 2016)</a:t>
-            </a:r>
-          </a:p>
-          <a:p>
-            <a:pPr lvl="1"/>
-            <a:r>
-              <a:rPr lang="it-IT" dirty="0" err="1"/>
-              <a:t>Bad</a:t>
-            </a:r>
-            <a:r>
-              <a:rPr lang="it-IT" dirty="0"/>
-              <a:t>: </a:t>
-            </a:r>
-            <a:r>
-              <a:rPr lang="it-IT" dirty="0" err="1"/>
-              <a:t>Abhinav</a:t>
-            </a:r>
-            <a:r>
-              <a:rPr lang="it-IT" dirty="0"/>
-              <a:t> </a:t>
-            </a:r>
-            <a:r>
-              <a:rPr lang="it-IT" dirty="0" err="1"/>
-              <a:t>Mishra</a:t>
-            </a:r>
-            <a:r>
-              <a:rPr lang="it-IT" dirty="0"/>
-              <a:t>, </a:t>
-            </a:r>
-            <a:r>
-              <a:rPr lang="it-IT" dirty="0" err="1"/>
-              <a:t>Arnab</a:t>
-            </a:r>
-            <a:r>
-              <a:rPr lang="it-IT" dirty="0"/>
-              <a:t> </a:t>
-            </a:r>
-            <a:r>
-              <a:rPr lang="it-IT" dirty="0" err="1"/>
-              <a:t>Bhattacharya</a:t>
-            </a:r>
-            <a:r>
-              <a:rPr lang="it-IT" dirty="0"/>
-              <a:t>. </a:t>
-            </a:r>
-            <a:r>
-              <a:rPr lang="it-IT" dirty="0" err="1"/>
-              <a:t>Finding</a:t>
-            </a:r>
-            <a:r>
-              <a:rPr lang="it-IT" dirty="0"/>
-              <a:t> the </a:t>
-            </a:r>
-            <a:r>
-              <a:rPr lang="it-IT" dirty="0" err="1"/>
-              <a:t>Bias</a:t>
-            </a:r>
-            <a:r>
-              <a:rPr lang="it-IT" dirty="0"/>
-              <a:t> and </a:t>
-            </a:r>
-            <a:r>
-              <a:rPr lang="it-IT" dirty="0" err="1"/>
-              <a:t>Prestige</a:t>
-            </a:r>
-            <a:r>
-              <a:rPr lang="it-IT" dirty="0"/>
-              <a:t> of </a:t>
-            </a:r>
-            <a:r>
-              <a:rPr lang="it-IT" dirty="0" err="1"/>
-              <a:t>Nodes</a:t>
-            </a:r>
-            <a:r>
-              <a:rPr lang="it-IT" dirty="0"/>
-              <a:t> in Networks </a:t>
-            </a:r>
-            <a:r>
-              <a:rPr lang="it-IT" dirty="0" err="1"/>
-              <a:t>based</a:t>
-            </a:r>
-            <a:r>
-              <a:rPr lang="it-IT" dirty="0"/>
-              <a:t> on Trust </a:t>
-            </a:r>
-            <a:r>
-              <a:rPr lang="it-IT" dirty="0" err="1"/>
-              <a:t>Scores</a:t>
-            </a:r>
-            <a:r>
-              <a:rPr lang="it-IT" dirty="0"/>
-              <a:t>. (WWW 2011)</a:t>
-            </a:r>
-          </a:p>
-          <a:p>
-            <a:pPr lvl="1"/>
-            <a:r>
-              <a:rPr lang="it-IT" dirty="0" err="1"/>
-              <a:t>Birdnest</a:t>
-            </a:r>
-            <a:r>
-              <a:rPr lang="it-IT" dirty="0"/>
-              <a:t>: Bryan </a:t>
-            </a:r>
-            <a:r>
-              <a:rPr lang="it-IT" dirty="0" err="1"/>
-              <a:t>Hooi</a:t>
-            </a:r>
-            <a:r>
-              <a:rPr lang="it-IT" dirty="0"/>
-              <a:t>, et al. </a:t>
-            </a:r>
-            <a:r>
-              <a:rPr lang="it-IT" dirty="0" err="1"/>
-              <a:t>Bayesian</a:t>
-            </a:r>
-            <a:r>
-              <a:rPr lang="it-IT" dirty="0"/>
-              <a:t> </a:t>
-            </a:r>
-            <a:r>
-              <a:rPr lang="it-IT" dirty="0" err="1"/>
-              <a:t>Inference</a:t>
-            </a:r>
-            <a:r>
-              <a:rPr lang="it-IT" dirty="0"/>
-              <a:t> for </a:t>
-            </a:r>
-            <a:r>
-              <a:rPr lang="it-IT" dirty="0" err="1"/>
-              <a:t>Ratings-Fraud</a:t>
-            </a:r>
-            <a:r>
-              <a:rPr lang="it-IT" dirty="0"/>
-              <a:t> </a:t>
-            </a:r>
-            <a:r>
-              <a:rPr lang="it-IT" dirty="0" err="1"/>
-              <a:t>Detection</a:t>
-            </a:r>
-            <a:r>
-              <a:rPr lang="it-IT" dirty="0"/>
-              <a:t>. (SIAM 2016)</a:t>
-            </a:r>
-          </a:p>
-          <a:p>
-            <a:pPr lvl="1"/>
-            <a:r>
-              <a:rPr lang="it-IT" dirty="0"/>
-              <a:t>Trust: </a:t>
-            </a:r>
-            <a:r>
-              <a:rPr lang="it-IT" dirty="0" err="1"/>
-              <a:t>Guan</a:t>
-            </a:r>
-            <a:r>
-              <a:rPr lang="it-IT" dirty="0"/>
-              <a:t> </a:t>
-            </a:r>
-            <a:r>
-              <a:rPr lang="it-IT" dirty="0" err="1"/>
-              <a:t>Wang</a:t>
-            </a:r>
-            <a:r>
-              <a:rPr lang="it-IT" dirty="0"/>
-              <a:t>, </a:t>
-            </a:r>
-            <a:r>
-              <a:rPr lang="it-IT" dirty="0" err="1"/>
-              <a:t>Sihong</a:t>
-            </a:r>
-            <a:r>
-              <a:rPr lang="it-IT" dirty="0"/>
-              <a:t> </a:t>
-            </a:r>
-            <a:r>
-              <a:rPr lang="it-IT" dirty="0" err="1"/>
-              <a:t>Xie</a:t>
-            </a:r>
-            <a:r>
-              <a:rPr lang="it-IT" dirty="0"/>
-              <a:t>, Bing Liu, Philip </a:t>
-            </a:r>
-            <a:r>
-              <a:rPr lang="it-IT" dirty="0" err="1"/>
-              <a:t>Yu</a:t>
-            </a:r>
-            <a:r>
-              <a:rPr lang="it-IT" dirty="0"/>
-              <a:t>. </a:t>
-            </a:r>
-            <a:r>
-              <a:rPr lang="en-US" dirty="0"/>
-              <a:t>Review graph based online store review spammer detection. (ICDM 2011)</a:t>
-            </a:r>
-            <a:endParaRPr lang="it-IT" dirty="0"/>
-          </a:p>
-          <a:p>
-            <a:pPr lvl="1"/>
-            <a:endParaRPr lang="it-IT" dirty="0"/>
+            <a:endParaRPr lang="en-US" dirty="0"/>
           </a:p>
         </p:txBody>
       </p:sp>
@@ -9548,25 +9211,17 @@
             </a:r>
             <a:r>
               <a:rPr lang="it-IT" dirty="0"/>
-              <a:t>: </a:t>
-            </a:r>
-            <a:r>
-              <a:rPr lang="it-IT" dirty="0" smtClean="0"/>
-              <a:t>                          </a:t>
-            </a:r>
-            <a:r>
-              <a:rPr lang="it-IT" dirty="0" smtClean="0">
+              <a:t>:                           </a:t>
+            </a:r>
+            <a:r>
+              <a:rPr lang="it-IT" dirty="0">
                 <a:sym typeface="Symbol" panose="05050102010706020507" pitchFamily="18" charset="2"/>
               </a:rPr>
               <a:t></a:t>
             </a:r>
             <a:r>
-              <a:rPr lang="it-IT" dirty="0" smtClean="0"/>
-              <a:t> </a:t>
-            </a:r>
-            <a:r>
               <a:rPr lang="it-IT" dirty="0"/>
-              <a:t>{0%, 10%, …, 100%}</a:t>
+              <a:t> {0%, 10%, …, 100%}</a:t>
             </a:r>
           </a:p>
           <a:p>

--- a/reports/Discussion.pptx
+++ b/reports/Discussion.pptx
@@ -5,7 +5,7 @@
     <p:sldMasterId id="2147483648" r:id="rId1"/>
   </p:sldMasterIdLst>
   <p:notesMasterIdLst>
-    <p:notesMasterId r:id="rId16"/>
+    <p:notesMasterId r:id="rId18"/>
   </p:notesMasterIdLst>
   <p:sldIdLst>
     <p:sldId id="263" r:id="rId2"/>
@@ -15,13 +15,15 @@
     <p:sldId id="257" r:id="rId6"/>
     <p:sldId id="264" r:id="rId7"/>
     <p:sldId id="262" r:id="rId8"/>
-    <p:sldId id="265" r:id="rId9"/>
-    <p:sldId id="268" r:id="rId10"/>
-    <p:sldId id="267" r:id="rId11"/>
-    <p:sldId id="271" r:id="rId12"/>
-    <p:sldId id="272" r:id="rId13"/>
-    <p:sldId id="270" r:id="rId14"/>
-    <p:sldId id="260" r:id="rId15"/>
+    <p:sldId id="274" r:id="rId9"/>
+    <p:sldId id="265" r:id="rId10"/>
+    <p:sldId id="273" r:id="rId11"/>
+    <p:sldId id="268" r:id="rId12"/>
+    <p:sldId id="267" r:id="rId13"/>
+    <p:sldId id="271" r:id="rId14"/>
+    <p:sldId id="272" r:id="rId15"/>
+    <p:sldId id="270" r:id="rId16"/>
+    <p:sldId id="260" r:id="rId17"/>
   </p:sldIdLst>
   <p:sldSz cx="12192000" cy="6858000"/>
   <p:notesSz cx="6858000" cy="9144000"/>
@@ -210,7 +212,7 @@
           <a:p>
             <a:fld id="{1C886C81-F242-0549-9BC1-F449630D8653}" type="datetimeFigureOut">
               <a:rPr lang="en-US" smtClean="0"/>
-              <a:t>8/25/18</a:t>
+              <a:t>9/2/18</a:t>
             </a:fld>
             <a:endParaRPr lang="en-US"/>
           </a:p>
@@ -1640,7 +1642,7 @@
           <a:p>
             <a:fld id="{2B005D37-54BB-2E4F-99A3-E06FB375AFA4}" type="slidenum">
               <a:rPr lang="en-US" smtClean="0"/>
-              <a:t>8</a:t>
+              <a:t>9</a:t>
             </a:fld>
             <a:endParaRPr lang="en-US"/>
           </a:p>
@@ -1815,7 +1817,7 @@
           <a:p>
             <a:fld id="{2B005D37-54BB-2E4F-99A3-E06FB375AFA4}" type="slidenum">
               <a:rPr lang="en-US" smtClean="0"/>
-              <a:t>10</a:t>
+              <a:t>12</a:t>
             </a:fld>
             <a:endParaRPr lang="en-US"/>
           </a:p>
@@ -1899,7 +1901,7 @@
           <a:p>
             <a:fld id="{2B005D37-54BB-2E4F-99A3-E06FB375AFA4}" type="slidenum">
               <a:rPr lang="en-US" smtClean="0"/>
-              <a:t>11</a:t>
+              <a:t>13</a:t>
             </a:fld>
             <a:endParaRPr lang="en-US"/>
           </a:p>
@@ -2065,7 +2067,7 @@
           <a:p>
             <a:fld id="{ECF09065-9E76-5C45-B7CB-C2EC2E2D247B}" type="datetimeFigureOut">
               <a:rPr lang="en-US" smtClean="0"/>
-              <a:t>8/25/18</a:t>
+              <a:t>9/2/18</a:t>
             </a:fld>
             <a:endParaRPr lang="en-US"/>
           </a:p>
@@ -2263,7 +2265,7 @@
           <a:p>
             <a:fld id="{ECF09065-9E76-5C45-B7CB-C2EC2E2D247B}" type="datetimeFigureOut">
               <a:rPr lang="en-US" smtClean="0"/>
-              <a:t>8/25/18</a:t>
+              <a:t>9/2/18</a:t>
             </a:fld>
             <a:endParaRPr lang="en-US"/>
           </a:p>
@@ -2471,7 +2473,7 @@
           <a:p>
             <a:fld id="{ECF09065-9E76-5C45-B7CB-C2EC2E2D247B}" type="datetimeFigureOut">
               <a:rPr lang="en-US" smtClean="0"/>
-              <a:t>8/25/18</a:t>
+              <a:t>9/2/18</a:t>
             </a:fld>
             <a:endParaRPr lang="en-US"/>
           </a:p>
@@ -2669,7 +2671,7 @@
           <a:p>
             <a:fld id="{ECF09065-9E76-5C45-B7CB-C2EC2E2D247B}" type="datetimeFigureOut">
               <a:rPr lang="en-US" smtClean="0"/>
-              <a:t>8/25/18</a:t>
+              <a:t>9/2/18</a:t>
             </a:fld>
             <a:endParaRPr lang="en-US"/>
           </a:p>
@@ -2944,7 +2946,7 @@
           <a:p>
             <a:fld id="{ECF09065-9E76-5C45-B7CB-C2EC2E2D247B}" type="datetimeFigureOut">
               <a:rPr lang="en-US" smtClean="0"/>
-              <a:t>8/25/18</a:t>
+              <a:t>9/2/18</a:t>
             </a:fld>
             <a:endParaRPr lang="en-US"/>
           </a:p>
@@ -3209,7 +3211,7 @@
           <a:p>
             <a:fld id="{ECF09065-9E76-5C45-B7CB-C2EC2E2D247B}" type="datetimeFigureOut">
               <a:rPr lang="en-US" smtClean="0"/>
-              <a:t>8/25/18</a:t>
+              <a:t>9/2/18</a:t>
             </a:fld>
             <a:endParaRPr lang="en-US"/>
           </a:p>
@@ -3621,7 +3623,7 @@
           <a:p>
             <a:fld id="{ECF09065-9E76-5C45-B7CB-C2EC2E2D247B}" type="datetimeFigureOut">
               <a:rPr lang="en-US" smtClean="0"/>
-              <a:t>8/25/18</a:t>
+              <a:t>9/2/18</a:t>
             </a:fld>
             <a:endParaRPr lang="en-US"/>
           </a:p>
@@ -3762,7 +3764,7 @@
           <a:p>
             <a:fld id="{ECF09065-9E76-5C45-B7CB-C2EC2E2D247B}" type="datetimeFigureOut">
               <a:rPr lang="en-US" smtClean="0"/>
-              <a:t>8/25/18</a:t>
+              <a:t>9/2/18</a:t>
             </a:fld>
             <a:endParaRPr lang="en-US"/>
           </a:p>
@@ -3875,7 +3877,7 @@
           <a:p>
             <a:fld id="{ECF09065-9E76-5C45-B7CB-C2EC2E2D247B}" type="datetimeFigureOut">
               <a:rPr lang="en-US" smtClean="0"/>
-              <a:t>8/25/18</a:t>
+              <a:t>9/2/18</a:t>
             </a:fld>
             <a:endParaRPr lang="en-US"/>
           </a:p>
@@ -4186,7 +4188,7 @@
           <a:p>
             <a:fld id="{ECF09065-9E76-5C45-B7CB-C2EC2E2D247B}" type="datetimeFigureOut">
               <a:rPr lang="en-US" smtClean="0"/>
-              <a:t>8/25/18</a:t>
+              <a:t>9/2/18</a:t>
             </a:fld>
             <a:endParaRPr lang="en-US"/>
           </a:p>
@@ -4474,7 +4476,7 @@
           <a:p>
             <a:fld id="{ECF09065-9E76-5C45-B7CB-C2EC2E2D247B}" type="datetimeFigureOut">
               <a:rPr lang="en-US" smtClean="0"/>
-              <a:t>8/25/18</a:t>
+              <a:t>9/2/18</a:t>
             </a:fld>
             <a:endParaRPr lang="en-US"/>
           </a:p>
@@ -4715,7 +4717,7 @@
           <a:p>
             <a:fld id="{ECF09065-9E76-5C45-B7CB-C2EC2E2D247B}" type="datetimeFigureOut">
               <a:rPr lang="en-US" smtClean="0"/>
-              <a:t>8/25/18</a:t>
+              <a:t>9/2/18</a:t>
             </a:fld>
             <a:endParaRPr lang="en-US"/>
           </a:p>
@@ -5206,6 +5208,397 @@
       </p:grpSpPr>
       <p:sp>
         <p:nvSpPr>
+          <p:cNvPr id="2" name="Title 1">
+            <a:extLst>
+              <a:ext uri="{FF2B5EF4-FFF2-40B4-BE49-F238E27FC236}">
+                <a16:creationId xmlns:a16="http://schemas.microsoft.com/office/drawing/2014/main" id="{7D83707C-EAA0-3C4A-A6A3-ABD295A72BB9}"/>
+              </a:ext>
+            </a:extLst>
+          </p:cNvPr>
+          <p:cNvSpPr>
+            <a:spLocks noGrp="1"/>
+          </p:cNvSpPr>
+          <p:nvPr>
+            <p:ph type="title"/>
+          </p:nvPr>
+        </p:nvSpPr>
+        <p:spPr/>
+        <p:txBody>
+          <a:bodyPr/>
+          <a:lstStyle/>
+          <a:p>
+            <a:endParaRPr lang="en-US"/>
+          </a:p>
+        </p:txBody>
+      </p:sp>
+      <p:sp>
+        <p:nvSpPr>
+          <p:cNvPr id="3" name="Content Placeholder 2">
+            <a:extLst>
+              <a:ext uri="{FF2B5EF4-FFF2-40B4-BE49-F238E27FC236}">
+                <a16:creationId xmlns:a16="http://schemas.microsoft.com/office/drawing/2014/main" id="{26A62653-9028-BC4F-A37E-06521A1545EA}"/>
+              </a:ext>
+            </a:extLst>
+          </p:cNvPr>
+          <p:cNvSpPr>
+            <a:spLocks noGrp="1"/>
+          </p:cNvSpPr>
+          <p:nvPr>
+            <p:ph idx="1"/>
+          </p:nvPr>
+        </p:nvSpPr>
+        <p:spPr/>
+        <p:txBody>
+          <a:bodyPr/>
+          <a:lstStyle/>
+          <a:p>
+            <a:r>
+              <a:rPr lang="en-US" dirty="0" err="1"/>
+              <a:t>FraudEagle</a:t>
+            </a:r>
+            <a:r>
+              <a:rPr lang="en-US" dirty="0"/>
+              <a:t>: Leman </a:t>
+            </a:r>
+            <a:r>
+              <a:rPr lang="en-US" dirty="0" err="1"/>
+              <a:t>Akoglu</a:t>
+            </a:r>
+            <a:r>
+              <a:rPr lang="en-US" dirty="0"/>
+              <a:t> et al. Opinion Fraud Detection in Online Reviews by Network Effects. (AAAI 2013)</a:t>
+            </a:r>
+          </a:p>
+          <a:p>
+            <a:r>
+              <a:rPr lang="en-US" dirty="0"/>
+              <a:t>FRAUDAR: Bryan </a:t>
+            </a:r>
+            <a:r>
+              <a:rPr lang="en-US" dirty="0" err="1"/>
+              <a:t>Hooi</a:t>
+            </a:r>
+            <a:r>
+              <a:rPr lang="en-US"/>
+              <a:t> et al. </a:t>
+            </a:r>
+            <a:r>
+              <a:rPr lang="en-US" dirty="0" err="1"/>
+              <a:t>Fraudar</a:t>
+            </a:r>
+            <a:r>
+              <a:rPr lang="en-US" dirty="0"/>
+              <a:t>: Bounding Graph Fraud in the Face of Camouflage.</a:t>
+            </a:r>
+          </a:p>
+        </p:txBody>
+      </p:sp>
+    </p:spTree>
+    <p:extLst>
+      <p:ext uri="{BB962C8B-B14F-4D97-AF65-F5344CB8AC3E}">
+        <p14:creationId xmlns:p14="http://schemas.microsoft.com/office/powerpoint/2010/main" val="2077435839"/>
+      </p:ext>
+    </p:extLst>
+  </p:cSld>
+  <p:clrMapOvr>
+    <a:masterClrMapping/>
+  </p:clrMapOvr>
+</p:sld>
+</file>
+
+<file path=ppt/slides/slide11.xml><?xml version="1.0" encoding="utf-8"?>
+<p:sld xmlns:a="http://schemas.openxmlformats.org/drawingml/2006/main" xmlns:r="http://schemas.openxmlformats.org/officeDocument/2006/relationships" xmlns:p="http://schemas.openxmlformats.org/presentationml/2006/main">
+  <p:cSld>
+    <p:spTree>
+      <p:nvGrpSpPr>
+        <p:cNvPr id="1" name=""/>
+        <p:cNvGrpSpPr/>
+        <p:nvPr/>
+      </p:nvGrpSpPr>
+      <p:grpSpPr>
+        <a:xfrm>
+          <a:off x="0" y="0"/>
+          <a:ext cx="0" cy="0"/>
+          <a:chOff x="0" y="0"/>
+          <a:chExt cx="0" cy="0"/>
+        </a:xfrm>
+      </p:grpSpPr>
+      <p:sp>
+        <p:nvSpPr>
+          <p:cNvPr id="2" name="Titolo 1"/>
+          <p:cNvSpPr>
+            <a:spLocks noGrp="1"/>
+          </p:cNvSpPr>
+          <p:nvPr>
+            <p:ph type="title"/>
+          </p:nvPr>
+        </p:nvSpPr>
+        <p:spPr/>
+        <p:txBody>
+          <a:bodyPr/>
+          <a:lstStyle/>
+          <a:p>
+            <a:r>
+              <a:rPr lang="it-IT" dirty="0" err="1"/>
+              <a:t>Parameters</a:t>
+            </a:r>
+            <a:endParaRPr lang="it-IT" dirty="0"/>
+          </a:p>
+        </p:txBody>
+      </p:sp>
+      <p:sp>
+        <p:nvSpPr>
+          <p:cNvPr id="3" name="Segnaposto contenuto 2"/>
+          <p:cNvSpPr>
+            <a:spLocks noGrp="1"/>
+          </p:cNvSpPr>
+          <p:nvPr>
+            <p:ph idx="1"/>
+          </p:nvPr>
+        </p:nvSpPr>
+        <p:spPr/>
+        <p:txBody>
+          <a:bodyPr>
+            <a:normAutofit/>
+          </a:bodyPr>
+          <a:lstStyle/>
+          <a:p>
+            <a:r>
+              <a:rPr lang="it-IT" dirty="0" err="1"/>
+              <a:t>Dataset</a:t>
+            </a:r>
+            <a:r>
+              <a:rPr lang="it-IT" dirty="0"/>
+              <a:t>: D </a:t>
+            </a:r>
+            <a:r>
+              <a:rPr lang="it-IT" dirty="0">
+                <a:sym typeface="Symbol" panose="05050102010706020507" pitchFamily="18" charset="2"/>
+              </a:rPr>
+              <a:t> {Alpha, OTC, </a:t>
+            </a:r>
+            <a:r>
+              <a:rPr lang="it-IT" dirty="0" err="1">
+                <a:sym typeface="Symbol" panose="05050102010706020507" pitchFamily="18" charset="2"/>
+              </a:rPr>
+              <a:t>Epinions</a:t>
+            </a:r>
+            <a:r>
+              <a:rPr lang="it-IT" dirty="0">
+                <a:sym typeface="Symbol" panose="05050102010706020507" pitchFamily="18" charset="2"/>
+              </a:rPr>
+              <a:t>, Amazon}</a:t>
+            </a:r>
+            <a:endParaRPr lang="it-IT" dirty="0"/>
+          </a:p>
+          <a:p>
+            <a:r>
+              <a:rPr lang="it-IT" dirty="0"/>
+              <a:t>Competitor: A</a:t>
+            </a:r>
+            <a:r>
+              <a:rPr lang="it-IT" dirty="0">
+                <a:sym typeface="Symbol" panose="05050102010706020507" pitchFamily="18" charset="2"/>
+              </a:rPr>
+              <a:t>  {</a:t>
+            </a:r>
+            <a:r>
+              <a:rPr lang="it-IT" dirty="0" err="1">
+                <a:sym typeface="Symbol" panose="05050102010706020507" pitchFamily="18" charset="2"/>
+              </a:rPr>
+              <a:t>Rev2</a:t>
+            </a:r>
+            <a:r>
+              <a:rPr lang="it-IT" dirty="0">
+                <a:sym typeface="Symbol" panose="05050102010706020507" pitchFamily="18" charset="2"/>
+              </a:rPr>
+              <a:t>, </a:t>
+            </a:r>
+            <a:r>
+              <a:rPr lang="it-IT" dirty="0" err="1">
+                <a:sym typeface="Symbol" panose="05050102010706020507" pitchFamily="18" charset="2"/>
+              </a:rPr>
+              <a:t>Bad</a:t>
+            </a:r>
+            <a:r>
+              <a:rPr lang="it-IT" dirty="0">
+                <a:sym typeface="Symbol" panose="05050102010706020507" pitchFamily="18" charset="2"/>
+              </a:rPr>
+              <a:t>, </a:t>
+            </a:r>
+            <a:r>
+              <a:rPr lang="it-IT" dirty="0" err="1">
+                <a:sym typeface="Symbol" panose="05050102010706020507" pitchFamily="18" charset="2"/>
+              </a:rPr>
+              <a:t>Birdnest</a:t>
+            </a:r>
+            <a:r>
+              <a:rPr lang="it-IT" dirty="0">
+                <a:sym typeface="Symbol" panose="05050102010706020507" pitchFamily="18" charset="2"/>
+              </a:rPr>
+              <a:t>, Trust}</a:t>
+            </a:r>
+          </a:p>
+          <a:p>
+            <a:r>
+              <a:rPr lang="it-IT" dirty="0" err="1"/>
+              <a:t>Number</a:t>
+            </a:r>
+            <a:r>
+              <a:rPr lang="it-IT" dirty="0"/>
+              <a:t> of target </a:t>
+            </a:r>
+            <a:r>
+              <a:rPr lang="it-IT" dirty="0" err="1"/>
+              <a:t>products</a:t>
+            </a:r>
+            <a:r>
+              <a:rPr lang="it-IT" dirty="0"/>
+              <a:t>: T = 100</a:t>
+            </a:r>
+          </a:p>
+          <a:p>
+            <a:r>
+              <a:rPr lang="it-IT" dirty="0"/>
+              <a:t>Ratio sockpuppets/</a:t>
+            </a:r>
+            <a:r>
+              <a:rPr lang="it-IT" dirty="0" err="1"/>
+              <a:t>original</a:t>
+            </a:r>
+            <a:r>
+              <a:rPr lang="it-IT" dirty="0"/>
+              <a:t>:                           </a:t>
+            </a:r>
+            <a:r>
+              <a:rPr lang="it-IT" dirty="0">
+                <a:sym typeface="Symbol" panose="05050102010706020507" pitchFamily="18" charset="2"/>
+              </a:rPr>
+              <a:t></a:t>
+            </a:r>
+            <a:r>
+              <a:rPr lang="it-IT" dirty="0"/>
+              <a:t> {0%, 10%, …, 100%}</a:t>
+            </a:r>
+          </a:p>
+          <a:p>
+            <a:r>
+              <a:rPr lang="it-IT" dirty="0" err="1"/>
+              <a:t>Reviews</a:t>
+            </a:r>
+            <a:r>
+              <a:rPr lang="it-IT" dirty="0"/>
+              <a:t> by </a:t>
+            </a:r>
+            <a:r>
+              <a:rPr lang="it-IT" dirty="0" err="1"/>
+              <a:t>each</a:t>
+            </a:r>
+            <a:r>
+              <a:rPr lang="it-IT" dirty="0"/>
+              <a:t> sockpuppet: N </a:t>
+            </a:r>
+            <a:r>
+              <a:rPr lang="it-IT" dirty="0">
+                <a:sym typeface="Symbol" panose="05050102010706020507" pitchFamily="18" charset="2"/>
+              </a:rPr>
+              <a:t></a:t>
+            </a:r>
+            <a:r>
+              <a:rPr lang="it-IT" dirty="0"/>
+              <a:t> {1, 5, 10, 15, ..., 50}</a:t>
+            </a:r>
+          </a:p>
+          <a:p>
+            <a:r>
+              <a:rPr lang="en-US" dirty="0"/>
+              <a:t>Top percentile assumed as fraudulent: q </a:t>
+            </a:r>
+            <a:r>
+              <a:rPr lang="it-IT" dirty="0">
+                <a:sym typeface="Symbol" panose="05050102010706020507" pitchFamily="18" charset="2"/>
+              </a:rPr>
+              <a:t> {2%, 4%, ..., 20%}</a:t>
+            </a:r>
+            <a:endParaRPr lang="it-IT" dirty="0"/>
+          </a:p>
+          <a:p>
+            <a:endParaRPr lang="en-US" dirty="0">
+              <a:solidFill>
+                <a:srgbClr val="FF0000"/>
+              </a:solidFill>
+            </a:endParaRPr>
+          </a:p>
+          <a:p>
+            <a:endParaRPr lang="it-IT" dirty="0"/>
+          </a:p>
+          <a:p>
+            <a:endParaRPr lang="it-IT" dirty="0"/>
+          </a:p>
+        </p:txBody>
+      </p:sp>
+      <p:pic>
+        <p:nvPicPr>
+          <p:cNvPr id="4" name="Picture 3">
+            <a:extLst>
+              <a:ext uri="{FF2B5EF4-FFF2-40B4-BE49-F238E27FC236}">
+                <a16:creationId xmlns:a16="http://schemas.microsoft.com/office/drawing/2014/main" id="{562FCC44-E39C-9949-BE9E-3A46442A9353}"/>
+              </a:ext>
+            </a:extLst>
+          </p:cNvPr>
+          <p:cNvPicPr>
+            <a:picLocks noChangeAspect="1"/>
+          </p:cNvPicPr>
+          <p:nvPr/>
+        </p:nvPicPr>
+        <p:blipFill>
+          <a:blip r:embed="rId2"/>
+          <a:stretch>
+            <a:fillRect/>
+          </a:stretch>
+        </p:blipFill>
+        <p:spPr>
+          <a:xfrm>
+            <a:off x="5172328" y="3307194"/>
+            <a:ext cx="2064743" cy="634171"/>
+          </a:xfrm>
+          <a:prstGeom prst="rect">
+            <a:avLst/>
+          </a:prstGeom>
+        </p:spPr>
+      </p:pic>
+    </p:spTree>
+    <p:extLst>
+      <p:ext uri="{BB962C8B-B14F-4D97-AF65-F5344CB8AC3E}">
+        <p14:creationId xmlns:p14="http://schemas.microsoft.com/office/powerpoint/2010/main" val="3309622766"/>
+      </p:ext>
+    </p:extLst>
+  </p:cSld>
+  <p:clrMapOvr>
+    <a:masterClrMapping/>
+  </p:clrMapOvr>
+</p:sld>
+</file>
+
+<file path=ppt/slides/slide12.xml><?xml version="1.0" encoding="utf-8"?>
+<p:sld xmlns:a="http://schemas.openxmlformats.org/drawingml/2006/main" xmlns:r="http://schemas.openxmlformats.org/officeDocument/2006/relationships" xmlns:p="http://schemas.openxmlformats.org/presentationml/2006/main">
+  <p:cSld>
+    <p:spTree>
+      <p:nvGrpSpPr>
+        <p:cNvPr id="1" name=""/>
+        <p:cNvGrpSpPr/>
+        <p:nvPr/>
+      </p:nvGrpSpPr>
+      <p:grpSpPr>
+        <a:xfrm>
+          <a:off x="0" y="0"/>
+          <a:ext cx="0" cy="0"/>
+          <a:chOff x="0" y="0"/>
+          <a:chExt cx="0" cy="0"/>
+        </a:xfrm>
+      </p:grpSpPr>
+      <p:sp>
+        <p:nvSpPr>
           <p:cNvPr id="2" name="Titolo 1"/>
           <p:cNvSpPr>
             <a:spLocks noGrp="1"/>
@@ -5361,154 +5754,6 @@
 </p:sld>
 </file>
 
-<file path=ppt/slides/slide11.xml><?xml version="1.0" encoding="utf-8"?>
-<p:sld xmlns:a="http://schemas.openxmlformats.org/drawingml/2006/main" xmlns:r="http://schemas.openxmlformats.org/officeDocument/2006/relationships" xmlns:p="http://schemas.openxmlformats.org/presentationml/2006/main">
-  <p:cSld>
-    <p:spTree>
-      <p:nvGrpSpPr>
-        <p:cNvPr id="1" name=""/>
-        <p:cNvGrpSpPr/>
-        <p:nvPr/>
-      </p:nvGrpSpPr>
-      <p:grpSpPr>
-        <a:xfrm>
-          <a:off x="0" y="0"/>
-          <a:ext cx="0" cy="0"/>
-          <a:chOff x="0" y="0"/>
-          <a:chExt cx="0" cy="0"/>
-        </a:xfrm>
-      </p:grpSpPr>
-      <p:sp>
-        <p:nvSpPr>
-          <p:cNvPr id="4" name="Titolo 3"/>
-          <p:cNvSpPr>
-            <a:spLocks noGrp="1"/>
-          </p:cNvSpPr>
-          <p:nvPr>
-            <p:ph type="ctrTitle"/>
-          </p:nvPr>
-        </p:nvSpPr>
-        <p:spPr/>
-        <p:txBody>
-          <a:bodyPr/>
-          <a:lstStyle/>
-          <a:p>
-            <a:r>
-              <a:rPr lang="it-IT" dirty="0" err="1"/>
-              <a:t>Experimental</a:t>
-            </a:r>
-            <a:r>
-              <a:rPr lang="it-IT" dirty="0"/>
-              <a:t> </a:t>
-            </a:r>
-            <a:r>
-              <a:rPr lang="it-IT" dirty="0" err="1"/>
-              <a:t>results</a:t>
-            </a:r>
-            <a:endParaRPr lang="it-IT" dirty="0"/>
-          </a:p>
-        </p:txBody>
-      </p:sp>
-      <p:sp>
-        <p:nvSpPr>
-          <p:cNvPr id="5" name="Sottotitolo 4"/>
-          <p:cNvSpPr>
-            <a:spLocks noGrp="1"/>
-          </p:cNvSpPr>
-          <p:nvPr>
-            <p:ph type="subTitle" idx="1"/>
-          </p:nvPr>
-        </p:nvSpPr>
-        <p:spPr/>
-        <p:txBody>
-          <a:bodyPr/>
-          <a:lstStyle/>
-          <a:p>
-            <a:endParaRPr lang="it-IT"/>
-          </a:p>
-        </p:txBody>
-      </p:sp>
-    </p:spTree>
-    <p:extLst>
-      <p:ext uri="{BB962C8B-B14F-4D97-AF65-F5344CB8AC3E}">
-        <p14:creationId xmlns:p14="http://schemas.microsoft.com/office/powerpoint/2010/main" val="2247310514"/>
-      </p:ext>
-    </p:extLst>
-  </p:cSld>
-  <p:clrMapOvr>
-    <a:masterClrMapping/>
-  </p:clrMapOvr>
-</p:sld>
-</file>
-
-<file path=ppt/slides/slide12.xml><?xml version="1.0" encoding="utf-8"?>
-<p:sld xmlns:a="http://schemas.openxmlformats.org/drawingml/2006/main" xmlns:r="http://schemas.openxmlformats.org/officeDocument/2006/relationships" xmlns:p="http://schemas.openxmlformats.org/presentationml/2006/main">
-  <p:cSld>
-    <p:spTree>
-      <p:nvGrpSpPr>
-        <p:cNvPr id="1" name=""/>
-        <p:cNvGrpSpPr/>
-        <p:nvPr/>
-      </p:nvGrpSpPr>
-      <p:grpSpPr>
-        <a:xfrm>
-          <a:off x="0" y="0"/>
-          <a:ext cx="0" cy="0"/>
-          <a:chOff x="0" y="0"/>
-          <a:chExt cx="0" cy="0"/>
-        </a:xfrm>
-      </p:grpSpPr>
-      <p:sp>
-        <p:nvSpPr>
-          <p:cNvPr id="2" name="Titolo 1"/>
-          <p:cNvSpPr>
-            <a:spLocks noGrp="1"/>
-          </p:cNvSpPr>
-          <p:nvPr>
-            <p:ph type="title"/>
-          </p:nvPr>
-        </p:nvSpPr>
-        <p:spPr/>
-        <p:txBody>
-          <a:bodyPr/>
-          <a:lstStyle/>
-          <a:p>
-            <a:endParaRPr lang="it-IT"/>
-          </a:p>
-        </p:txBody>
-      </p:sp>
-      <p:sp>
-        <p:nvSpPr>
-          <p:cNvPr id="3" name="Segnaposto contenuto 2"/>
-          <p:cNvSpPr>
-            <a:spLocks noGrp="1"/>
-          </p:cNvSpPr>
-          <p:nvPr>
-            <p:ph idx="1"/>
-          </p:nvPr>
-        </p:nvSpPr>
-        <p:spPr/>
-        <p:txBody>
-          <a:bodyPr/>
-          <a:lstStyle/>
-          <a:p>
-            <a:endParaRPr lang="it-IT"/>
-          </a:p>
-        </p:txBody>
-      </p:sp>
-    </p:spTree>
-    <p:extLst>
-      <p:ext uri="{BB962C8B-B14F-4D97-AF65-F5344CB8AC3E}">
-        <p14:creationId xmlns:p14="http://schemas.microsoft.com/office/powerpoint/2010/main" val="3751589224"/>
-      </p:ext>
-    </p:extLst>
-  </p:cSld>
-  <p:clrMapOvr>
-    <a:masterClrMapping/>
-  </p:clrMapOvr>
-</p:sld>
-</file>
-
 <file path=ppt/slides/slide13.xml><?xml version="1.0" encoding="utf-8"?>
 <p:sld xmlns:a="http://schemas.openxmlformats.org/drawingml/2006/main" xmlns:r="http://schemas.openxmlformats.org/officeDocument/2006/relationships" xmlns:p="http://schemas.openxmlformats.org/presentationml/2006/main">
   <p:cSld>
@@ -5543,6 +5788,154 @@
           <a:p>
             <a:r>
               <a:rPr lang="it-IT" dirty="0" err="1"/>
+              <a:t>Experimental</a:t>
+            </a:r>
+            <a:r>
+              <a:rPr lang="it-IT" dirty="0"/>
+              <a:t> </a:t>
+            </a:r>
+            <a:r>
+              <a:rPr lang="it-IT" dirty="0" err="1"/>
+              <a:t>results</a:t>
+            </a:r>
+            <a:endParaRPr lang="it-IT" dirty="0"/>
+          </a:p>
+        </p:txBody>
+      </p:sp>
+      <p:sp>
+        <p:nvSpPr>
+          <p:cNvPr id="5" name="Sottotitolo 4"/>
+          <p:cNvSpPr>
+            <a:spLocks noGrp="1"/>
+          </p:cNvSpPr>
+          <p:nvPr>
+            <p:ph type="subTitle" idx="1"/>
+          </p:nvPr>
+        </p:nvSpPr>
+        <p:spPr/>
+        <p:txBody>
+          <a:bodyPr/>
+          <a:lstStyle/>
+          <a:p>
+            <a:endParaRPr lang="it-IT"/>
+          </a:p>
+        </p:txBody>
+      </p:sp>
+    </p:spTree>
+    <p:extLst>
+      <p:ext uri="{BB962C8B-B14F-4D97-AF65-F5344CB8AC3E}">
+        <p14:creationId xmlns:p14="http://schemas.microsoft.com/office/powerpoint/2010/main" val="2247310514"/>
+      </p:ext>
+    </p:extLst>
+  </p:cSld>
+  <p:clrMapOvr>
+    <a:masterClrMapping/>
+  </p:clrMapOvr>
+</p:sld>
+</file>
+
+<file path=ppt/slides/slide14.xml><?xml version="1.0" encoding="utf-8"?>
+<p:sld xmlns:a="http://schemas.openxmlformats.org/drawingml/2006/main" xmlns:r="http://schemas.openxmlformats.org/officeDocument/2006/relationships" xmlns:p="http://schemas.openxmlformats.org/presentationml/2006/main">
+  <p:cSld>
+    <p:spTree>
+      <p:nvGrpSpPr>
+        <p:cNvPr id="1" name=""/>
+        <p:cNvGrpSpPr/>
+        <p:nvPr/>
+      </p:nvGrpSpPr>
+      <p:grpSpPr>
+        <a:xfrm>
+          <a:off x="0" y="0"/>
+          <a:ext cx="0" cy="0"/>
+          <a:chOff x="0" y="0"/>
+          <a:chExt cx="0" cy="0"/>
+        </a:xfrm>
+      </p:grpSpPr>
+      <p:sp>
+        <p:nvSpPr>
+          <p:cNvPr id="2" name="Titolo 1"/>
+          <p:cNvSpPr>
+            <a:spLocks noGrp="1"/>
+          </p:cNvSpPr>
+          <p:nvPr>
+            <p:ph type="title"/>
+          </p:nvPr>
+        </p:nvSpPr>
+        <p:spPr/>
+        <p:txBody>
+          <a:bodyPr/>
+          <a:lstStyle/>
+          <a:p>
+            <a:endParaRPr lang="it-IT"/>
+          </a:p>
+        </p:txBody>
+      </p:sp>
+      <p:sp>
+        <p:nvSpPr>
+          <p:cNvPr id="3" name="Segnaposto contenuto 2"/>
+          <p:cNvSpPr>
+            <a:spLocks noGrp="1"/>
+          </p:cNvSpPr>
+          <p:nvPr>
+            <p:ph idx="1"/>
+          </p:nvPr>
+        </p:nvSpPr>
+        <p:spPr/>
+        <p:txBody>
+          <a:bodyPr/>
+          <a:lstStyle/>
+          <a:p>
+            <a:endParaRPr lang="it-IT"/>
+          </a:p>
+        </p:txBody>
+      </p:sp>
+    </p:spTree>
+    <p:extLst>
+      <p:ext uri="{BB962C8B-B14F-4D97-AF65-F5344CB8AC3E}">
+        <p14:creationId xmlns:p14="http://schemas.microsoft.com/office/powerpoint/2010/main" val="3751589224"/>
+      </p:ext>
+    </p:extLst>
+  </p:cSld>
+  <p:clrMapOvr>
+    <a:masterClrMapping/>
+  </p:clrMapOvr>
+</p:sld>
+</file>
+
+<file path=ppt/slides/slide15.xml><?xml version="1.0" encoding="utf-8"?>
+<p:sld xmlns:a="http://schemas.openxmlformats.org/drawingml/2006/main" xmlns:r="http://schemas.openxmlformats.org/officeDocument/2006/relationships" xmlns:p="http://schemas.openxmlformats.org/presentationml/2006/main">
+  <p:cSld>
+    <p:spTree>
+      <p:nvGrpSpPr>
+        <p:cNvPr id="1" name=""/>
+        <p:cNvGrpSpPr/>
+        <p:nvPr/>
+      </p:nvGrpSpPr>
+      <p:grpSpPr>
+        <a:xfrm>
+          <a:off x="0" y="0"/>
+          <a:ext cx="0" cy="0"/>
+          <a:chOff x="0" y="0"/>
+          <a:chExt cx="0" cy="0"/>
+        </a:xfrm>
+      </p:grpSpPr>
+      <p:sp>
+        <p:nvSpPr>
+          <p:cNvPr id="4" name="Titolo 3"/>
+          <p:cNvSpPr>
+            <a:spLocks noGrp="1"/>
+          </p:cNvSpPr>
+          <p:nvPr>
+            <p:ph type="ctrTitle"/>
+          </p:nvPr>
+        </p:nvSpPr>
+        <p:spPr/>
+        <p:txBody>
+          <a:bodyPr/>
+          <a:lstStyle/>
+          <a:p>
+            <a:r>
+              <a:rPr lang="it-IT" dirty="0" err="1"/>
               <a:t>Old</a:t>
             </a:r>
             <a:r>
@@ -5589,7 +5982,7 @@
 </p:sld>
 </file>
 
-<file path=ppt/slides/slide14.xml><?xml version="1.0" encoding="utf-8"?>
+<file path=ppt/slides/slide16.xml><?xml version="1.0" encoding="utf-8"?>
 <p:sld xmlns:a="http://schemas.openxmlformats.org/drawingml/2006/main" xmlns:r="http://schemas.openxmlformats.org/officeDocument/2006/relationships" xmlns:p="http://schemas.openxmlformats.org/presentationml/2006/main">
   <p:cSld>
     <p:spTree>
@@ -8910,7 +9303,13 @@
       </p:grpSpPr>
       <p:sp>
         <p:nvSpPr>
-          <p:cNvPr id="2" name="Titolo 1"/>
+          <p:cNvPr id="4" name="Title 3">
+            <a:extLst>
+              <a:ext uri="{FF2B5EF4-FFF2-40B4-BE49-F238E27FC236}">
+                <a16:creationId xmlns:a16="http://schemas.microsoft.com/office/drawing/2014/main" id="{20F09ADE-336A-0F4C-ACCA-6D70A6C84DE3}"/>
+              </a:ext>
+            </a:extLst>
+          </p:cNvPr>
           <p:cNvSpPr>
             <a:spLocks noGrp="1"/>
           </p:cNvSpPr>
@@ -8935,17 +9334,24 @@
               <a:rPr lang="it-IT" dirty="0"/>
               <a:t>)</a:t>
             </a:r>
-          </a:p>
-        </p:txBody>
-      </p:sp>
-      <p:sp>
-        <p:nvSpPr>
-          <p:cNvPr id="3" name="Segnaposto contenuto 2"/>
-          <p:cNvSpPr>
-            <a:spLocks noGrp="1"/>
-          </p:cNvSpPr>
-          <p:nvPr>
-            <p:ph idx="1"/>
+            <a:endParaRPr lang="en-US" dirty="0"/>
+          </a:p>
+        </p:txBody>
+      </p:sp>
+      <p:sp>
+        <p:nvSpPr>
+          <p:cNvPr id="5" name="Text Placeholder 4">
+            <a:extLst>
+              <a:ext uri="{FF2B5EF4-FFF2-40B4-BE49-F238E27FC236}">
+                <a16:creationId xmlns:a16="http://schemas.microsoft.com/office/drawing/2014/main" id="{715E99FE-EB9E-C246-8A0C-E5D5414C92FB}"/>
+              </a:ext>
+            </a:extLst>
+          </p:cNvPr>
+          <p:cNvSpPr>
+            <a:spLocks noGrp="1"/>
+          </p:cNvSpPr>
+          <p:nvPr>
+            <p:ph type="body" idx="1"/>
           </p:nvPr>
         </p:nvSpPr>
         <p:spPr/>
@@ -8965,81 +9371,13 @@
               <a:rPr lang="en-US" dirty="0"/>
               <a:t> to this type of attack. So, the competitors are other fraudulent detectors.</a:t>
             </a:r>
-          </a:p>
-          <a:p>
-            <a:pPr lvl="1"/>
-            <a:r>
-              <a:rPr lang="en-US" dirty="0"/>
-              <a:t>Rev2: </a:t>
-            </a:r>
-            <a:r>
-              <a:rPr lang="en-US" dirty="0" err="1"/>
-              <a:t>Srijan</a:t>
-            </a:r>
-            <a:r>
-              <a:rPr lang="en-US" dirty="0"/>
-              <a:t> Kumar, et al. REV2: Fraudulent User Prediction in Rating Platforms. (WSDM 2016)</a:t>
-            </a:r>
-          </a:p>
-          <a:p>
-            <a:pPr lvl="1"/>
-            <a:r>
-              <a:rPr lang="en-US" dirty="0"/>
-              <a:t>Bad: Abhinav Mishra, Arnab Bhattacharya. Finding the Bias and Prestige of Nodes in Networks based on Trust Scores. (WWW 2011)</a:t>
-            </a:r>
-          </a:p>
-          <a:p>
-            <a:pPr lvl="1"/>
-            <a:r>
-              <a:rPr lang="en-US" dirty="0" err="1"/>
-              <a:t>Birdnest</a:t>
-            </a:r>
-            <a:r>
-              <a:rPr lang="en-US" dirty="0"/>
-              <a:t>: Bryan </a:t>
-            </a:r>
-            <a:r>
-              <a:rPr lang="en-US" dirty="0" err="1"/>
-              <a:t>Hooi</a:t>
-            </a:r>
-            <a:r>
-              <a:rPr lang="en-US" dirty="0"/>
-              <a:t>, et al. Bayesian Inference for Ratings-Fraud Detection. (SIAM 2016)</a:t>
-            </a:r>
-          </a:p>
-          <a:p>
-            <a:pPr lvl="1"/>
-            <a:r>
-              <a:rPr lang="en-US" dirty="0"/>
-              <a:t>Trust: Guan Wang, </a:t>
-            </a:r>
-            <a:r>
-              <a:rPr lang="en-US" dirty="0" err="1"/>
-              <a:t>Sihong</a:t>
-            </a:r>
-            <a:r>
-              <a:rPr lang="en-US" dirty="0"/>
-              <a:t> </a:t>
-            </a:r>
-            <a:r>
-              <a:rPr lang="en-US" dirty="0" err="1"/>
-              <a:t>Xie</a:t>
-            </a:r>
-            <a:r>
-              <a:rPr lang="en-US" dirty="0"/>
-              <a:t>, Bing Liu, Philip Yu. Review graph based online store review spammer detection. (ICDM 2011)</a:t>
-            </a:r>
-          </a:p>
-          <a:p>
-            <a:pPr lvl="1"/>
-            <a:endParaRPr lang="en-US" dirty="0"/>
           </a:p>
         </p:txBody>
       </p:sp>
     </p:spTree>
     <p:extLst>
       <p:ext uri="{BB962C8B-B14F-4D97-AF65-F5344CB8AC3E}">
-        <p14:creationId xmlns:p14="http://schemas.microsoft.com/office/powerpoint/2010/main" val="791042162"/>
+        <p14:creationId xmlns:p14="http://schemas.microsoft.com/office/powerpoint/2010/main" val="1669111837"/>
       </p:ext>
     </p:extLst>
   </p:cSld>
@@ -9082,10 +9420,9 @@
           <a:lstStyle/>
           <a:p>
             <a:r>
-              <a:rPr lang="it-IT" dirty="0" err="1"/>
-              <a:t>Parameters</a:t>
-            </a:r>
-            <a:endParaRPr lang="it-IT" dirty="0"/>
+              <a:rPr lang="it-IT" dirty="0"/>
+              <a:t>Competitors 1</a:t>
+            </a:r>
           </a:p>
         </p:txBody>
       </p:sp>
@@ -9107,213 +9444,74 @@
           <a:lstStyle/>
           <a:p>
             <a:r>
-              <a:rPr lang="it-IT" dirty="0" err="1"/>
-              <a:t>Dataset</a:t>
-            </a:r>
-            <a:r>
-              <a:rPr lang="it-IT" dirty="0"/>
-              <a:t>: D </a:t>
-            </a:r>
-            <a:r>
-              <a:rPr lang="it-IT" dirty="0">
-                <a:sym typeface="Symbol" panose="05050102010706020507" pitchFamily="18" charset="2"/>
-              </a:rPr>
-              <a:t> {Alpha, OTC, </a:t>
-            </a:r>
-            <a:r>
-              <a:rPr lang="it-IT" dirty="0" err="1">
-                <a:sym typeface="Symbol" panose="05050102010706020507" pitchFamily="18" charset="2"/>
-              </a:rPr>
-              <a:t>Epinions</a:t>
-            </a:r>
-            <a:r>
-              <a:rPr lang="it-IT" dirty="0">
-                <a:sym typeface="Symbol" panose="05050102010706020507" pitchFamily="18" charset="2"/>
-              </a:rPr>
-              <a:t>, Amazon}</a:t>
-            </a:r>
-            <a:endParaRPr lang="it-IT" dirty="0"/>
-          </a:p>
-          <a:p>
-            <a:r>
-              <a:rPr lang="it-IT" dirty="0"/>
-              <a:t>Competitor: A</a:t>
-            </a:r>
-            <a:r>
-              <a:rPr lang="it-IT" dirty="0">
-                <a:sym typeface="Symbol" panose="05050102010706020507" pitchFamily="18" charset="2"/>
-              </a:rPr>
-              <a:t>  {</a:t>
-            </a:r>
-            <a:r>
-              <a:rPr lang="it-IT" dirty="0" err="1">
-                <a:sym typeface="Symbol" panose="05050102010706020507" pitchFamily="18" charset="2"/>
-              </a:rPr>
-              <a:t>Rev2</a:t>
-            </a:r>
-            <a:r>
-              <a:rPr lang="it-IT" dirty="0">
-                <a:sym typeface="Symbol" panose="05050102010706020507" pitchFamily="18" charset="2"/>
-              </a:rPr>
-              <a:t>, </a:t>
-            </a:r>
-            <a:r>
-              <a:rPr lang="it-IT" dirty="0" err="1">
-                <a:sym typeface="Symbol" panose="05050102010706020507" pitchFamily="18" charset="2"/>
-              </a:rPr>
-              <a:t>Bad</a:t>
-            </a:r>
-            <a:r>
-              <a:rPr lang="it-IT" dirty="0">
-                <a:sym typeface="Symbol" panose="05050102010706020507" pitchFamily="18" charset="2"/>
-              </a:rPr>
-              <a:t>, </a:t>
-            </a:r>
-            <a:r>
-              <a:rPr lang="it-IT" dirty="0" err="1">
-                <a:sym typeface="Symbol" panose="05050102010706020507" pitchFamily="18" charset="2"/>
-              </a:rPr>
+              <a:rPr lang="en-US" dirty="0"/>
+              <a:t>Rev2: </a:t>
+            </a:r>
+            <a:r>
+              <a:rPr lang="en-US" dirty="0" err="1"/>
+              <a:t>Srijan</a:t>
+            </a:r>
+            <a:r>
+              <a:rPr lang="en-US" dirty="0"/>
+              <a:t> Kumar, et al. REV2: Fraudulent User Prediction in Rating Platforms. (WSDM 2016)</a:t>
+            </a:r>
+          </a:p>
+          <a:p>
+            <a:r>
+              <a:rPr lang="en-US" dirty="0"/>
+              <a:t>Bad: Abhinav Mishra, Arnab Bhattacharya. Finding the Bias and Prestige of Nodes in Networks based on Trust Scores. (WWW 2011)</a:t>
+            </a:r>
+          </a:p>
+          <a:p>
+            <a:r>
+              <a:rPr lang="en-US" dirty="0" err="1"/>
               <a:t>Birdnest</a:t>
             </a:r>
             <a:r>
-              <a:rPr lang="it-IT" dirty="0">
-                <a:sym typeface="Symbol" panose="05050102010706020507" pitchFamily="18" charset="2"/>
-              </a:rPr>
-              <a:t>, Trust}</a:t>
-            </a:r>
-          </a:p>
-          <a:p>
-            <a:r>
-              <a:rPr lang="it-IT" dirty="0" err="1"/>
-              <a:t>Number</a:t>
-            </a:r>
-            <a:r>
-              <a:rPr lang="it-IT" dirty="0"/>
-              <a:t> of target </a:t>
-            </a:r>
-            <a:r>
-              <a:rPr lang="it-IT" dirty="0" err="1"/>
-              <a:t>products</a:t>
-            </a:r>
-            <a:r>
-              <a:rPr lang="it-IT" dirty="0"/>
-              <a:t>: T = 100</a:t>
-            </a:r>
-          </a:p>
-          <a:p>
-            <a:r>
-              <a:rPr lang="it-IT" dirty="0"/>
-              <a:t>Ratio sockpuppets/</a:t>
-            </a:r>
-            <a:r>
-              <a:rPr lang="it-IT" dirty="0" err="1"/>
-              <a:t>original</a:t>
-            </a:r>
-            <a:r>
-              <a:rPr lang="it-IT" dirty="0"/>
-              <a:t>:                           </a:t>
-            </a:r>
-            <a:r>
-              <a:rPr lang="it-IT" dirty="0">
-                <a:sym typeface="Symbol" panose="05050102010706020507" pitchFamily="18" charset="2"/>
-              </a:rPr>
-              <a:t></a:t>
-            </a:r>
-            <a:r>
-              <a:rPr lang="it-IT" dirty="0"/>
-              <a:t> {0%, 10%, …, 100%}</a:t>
-            </a:r>
-          </a:p>
-          <a:p>
-            <a:r>
-              <a:rPr lang="it-IT" dirty="0" err="1"/>
-              <a:t>Reviews</a:t>
-            </a:r>
-            <a:r>
-              <a:rPr lang="it-IT" dirty="0"/>
-              <a:t> by </a:t>
-            </a:r>
-            <a:r>
-              <a:rPr lang="it-IT" dirty="0" err="1"/>
-              <a:t>each</a:t>
-            </a:r>
-            <a:r>
-              <a:rPr lang="it-IT" dirty="0"/>
-              <a:t> sockpuppet: N </a:t>
-            </a:r>
-            <a:r>
-              <a:rPr lang="it-IT" dirty="0">
-                <a:sym typeface="Symbol" panose="05050102010706020507" pitchFamily="18" charset="2"/>
-              </a:rPr>
-              <a:t></a:t>
-            </a:r>
-            <a:r>
-              <a:rPr lang="it-IT" dirty="0"/>
-              <a:t> {1, 5, 10, 15, ..., 50}</a:t>
-            </a:r>
-          </a:p>
-          <a:p>
-            <a:r>
               <a:rPr lang="en-US" dirty="0"/>
-              <a:t>Top percentile assumed as fraudulent: q </a:t>
-            </a:r>
-            <a:r>
-              <a:rPr lang="it-IT" dirty="0">
-                <a:sym typeface="Symbol" panose="05050102010706020507" pitchFamily="18" charset="2"/>
-              </a:rPr>
-              <a:t> {2%, 4%, ..., 20%}</a:t>
-            </a:r>
-            <a:endParaRPr lang="it-IT" dirty="0"/>
-          </a:p>
-          <a:p>
-            <a:endParaRPr lang="en-US" dirty="0">
-              <a:solidFill>
-                <a:srgbClr val="FF0000"/>
-              </a:solidFill>
-            </a:endParaRPr>
-          </a:p>
-          <a:p>
-            <a:endParaRPr lang="it-IT" dirty="0"/>
-          </a:p>
-          <a:p>
-            <a:endParaRPr lang="it-IT" dirty="0"/>
-          </a:p>
-        </p:txBody>
-      </p:sp>
-      <p:pic>
-        <p:nvPicPr>
-          <p:cNvPr id="4" name="Picture 3">
-            <a:extLst>
-              <a:ext uri="{FF2B5EF4-FFF2-40B4-BE49-F238E27FC236}">
-                <a16:creationId xmlns:a16="http://schemas.microsoft.com/office/drawing/2014/main" id="{562FCC44-E39C-9949-BE9E-3A46442A9353}"/>
-              </a:ext>
-            </a:extLst>
-          </p:cNvPr>
-          <p:cNvPicPr>
-            <a:picLocks noChangeAspect="1"/>
-          </p:cNvPicPr>
-          <p:nvPr/>
-        </p:nvPicPr>
-        <p:blipFill>
-          <a:blip r:embed="rId2"/>
-          <a:stretch>
-            <a:fillRect/>
-          </a:stretch>
-        </p:blipFill>
-        <p:spPr>
-          <a:xfrm>
-            <a:off x="5172328" y="3307194"/>
-            <a:ext cx="2064743" cy="634171"/>
-          </a:xfrm>
-          <a:prstGeom prst="rect">
-            <a:avLst/>
-          </a:prstGeom>
-        </p:spPr>
-      </p:pic>
+              <a:t>: Bryan </a:t>
+            </a:r>
+            <a:r>
+              <a:rPr lang="en-US" dirty="0" err="1"/>
+              <a:t>Hooi</a:t>
+            </a:r>
+            <a:r>
+              <a:rPr lang="en-US" dirty="0"/>
+              <a:t>, et al. Bayesian Inference for Ratings-Fraud Detection. (SIAM 2016)</a:t>
+            </a:r>
+          </a:p>
+          <a:p>
+            <a:r>
+              <a:rPr lang="en-US" dirty="0"/>
+              <a:t>Trust: Guan Wang, </a:t>
+            </a:r>
+            <a:r>
+              <a:rPr lang="en-US" dirty="0" err="1"/>
+              <a:t>Sihong</a:t>
+            </a:r>
+            <a:r>
+              <a:rPr lang="en-US" dirty="0"/>
+              <a:t> </a:t>
+            </a:r>
+            <a:r>
+              <a:rPr lang="en-US" dirty="0" err="1"/>
+              <a:t>Xie</a:t>
+            </a:r>
+            <a:r>
+              <a:rPr lang="en-US" dirty="0"/>
+              <a:t>, Bing Liu, Philip Yu. Review graph based online store review spammer detection. (ICDM 2011)</a:t>
+            </a:r>
+          </a:p>
+          <a:p>
+            <a:pPr lvl="1"/>
+            <a:endParaRPr lang="en-US" dirty="0"/>
+          </a:p>
+        </p:txBody>
+      </p:sp>
     </p:spTree>
     <p:extLst>
       <p:ext uri="{BB962C8B-B14F-4D97-AF65-F5344CB8AC3E}">
-        <p14:creationId xmlns:p14="http://schemas.microsoft.com/office/powerpoint/2010/main" val="3309622766"/>
+        <p14:creationId xmlns:p14="http://schemas.microsoft.com/office/powerpoint/2010/main" val="791042162"/>
       </p:ext>
     </p:extLst>
   </p:cSld>

--- a/reports/Discussion.pptx
+++ b/reports/Discussion.pptx
@@ -212,7 +212,7 @@
           <a:p>
             <a:fld id="{1C886C81-F242-0549-9BC1-F449630D8653}" type="datetimeFigureOut">
               <a:rPr lang="en-US" smtClean="0"/>
-              <a:t>9/2/18</a:t>
+              <a:t>9/4/18</a:t>
             </a:fld>
             <a:endParaRPr lang="en-US"/>
           </a:p>
@@ -2067,7 +2067,7 @@
           <a:p>
             <a:fld id="{ECF09065-9E76-5C45-B7CB-C2EC2E2D247B}" type="datetimeFigureOut">
               <a:rPr lang="en-US" smtClean="0"/>
-              <a:t>9/2/18</a:t>
+              <a:t>9/4/18</a:t>
             </a:fld>
             <a:endParaRPr lang="en-US"/>
           </a:p>
@@ -2265,7 +2265,7 @@
           <a:p>
             <a:fld id="{ECF09065-9E76-5C45-B7CB-C2EC2E2D247B}" type="datetimeFigureOut">
               <a:rPr lang="en-US" smtClean="0"/>
-              <a:t>9/2/18</a:t>
+              <a:t>9/4/18</a:t>
             </a:fld>
             <a:endParaRPr lang="en-US"/>
           </a:p>
@@ -2473,7 +2473,7 @@
           <a:p>
             <a:fld id="{ECF09065-9E76-5C45-B7CB-C2EC2E2D247B}" type="datetimeFigureOut">
               <a:rPr lang="en-US" smtClean="0"/>
-              <a:t>9/2/18</a:t>
+              <a:t>9/4/18</a:t>
             </a:fld>
             <a:endParaRPr lang="en-US"/>
           </a:p>
@@ -2671,7 +2671,7 @@
           <a:p>
             <a:fld id="{ECF09065-9E76-5C45-B7CB-C2EC2E2D247B}" type="datetimeFigureOut">
               <a:rPr lang="en-US" smtClean="0"/>
-              <a:t>9/2/18</a:t>
+              <a:t>9/4/18</a:t>
             </a:fld>
             <a:endParaRPr lang="en-US"/>
           </a:p>
@@ -2946,7 +2946,7 @@
           <a:p>
             <a:fld id="{ECF09065-9E76-5C45-B7CB-C2EC2E2D247B}" type="datetimeFigureOut">
               <a:rPr lang="en-US" smtClean="0"/>
-              <a:t>9/2/18</a:t>
+              <a:t>9/4/18</a:t>
             </a:fld>
             <a:endParaRPr lang="en-US"/>
           </a:p>
@@ -3211,7 +3211,7 @@
           <a:p>
             <a:fld id="{ECF09065-9E76-5C45-B7CB-C2EC2E2D247B}" type="datetimeFigureOut">
               <a:rPr lang="en-US" smtClean="0"/>
-              <a:t>9/2/18</a:t>
+              <a:t>9/4/18</a:t>
             </a:fld>
             <a:endParaRPr lang="en-US"/>
           </a:p>
@@ -3623,7 +3623,7 @@
           <a:p>
             <a:fld id="{ECF09065-9E76-5C45-B7CB-C2EC2E2D247B}" type="datetimeFigureOut">
               <a:rPr lang="en-US" smtClean="0"/>
-              <a:t>9/2/18</a:t>
+              <a:t>9/4/18</a:t>
             </a:fld>
             <a:endParaRPr lang="en-US"/>
           </a:p>
@@ -3764,7 +3764,7 @@
           <a:p>
             <a:fld id="{ECF09065-9E76-5C45-B7CB-C2EC2E2D247B}" type="datetimeFigureOut">
               <a:rPr lang="en-US" smtClean="0"/>
-              <a:t>9/2/18</a:t>
+              <a:t>9/4/18</a:t>
             </a:fld>
             <a:endParaRPr lang="en-US"/>
           </a:p>
@@ -3877,7 +3877,7 @@
           <a:p>
             <a:fld id="{ECF09065-9E76-5C45-B7CB-C2EC2E2D247B}" type="datetimeFigureOut">
               <a:rPr lang="en-US" smtClean="0"/>
-              <a:t>9/2/18</a:t>
+              <a:t>9/4/18</a:t>
             </a:fld>
             <a:endParaRPr lang="en-US"/>
           </a:p>
@@ -4188,7 +4188,7 @@
           <a:p>
             <a:fld id="{ECF09065-9E76-5C45-B7CB-C2EC2E2D247B}" type="datetimeFigureOut">
               <a:rPr lang="en-US" smtClean="0"/>
-              <a:t>9/2/18</a:t>
+              <a:t>9/4/18</a:t>
             </a:fld>
             <a:endParaRPr lang="en-US"/>
           </a:p>
@@ -4476,7 +4476,7 @@
           <a:p>
             <a:fld id="{ECF09065-9E76-5C45-B7CB-C2EC2E2D247B}" type="datetimeFigureOut">
               <a:rPr lang="en-US" smtClean="0"/>
-              <a:t>9/2/18</a:t>
+              <a:t>9/4/18</a:t>
             </a:fld>
             <a:endParaRPr lang="en-US"/>
           </a:p>
@@ -4717,7 +4717,7 @@
           <a:p>
             <a:fld id="{ECF09065-9E76-5C45-B7CB-C2EC2E2D247B}" type="datetimeFigureOut">
               <a:rPr lang="en-US" smtClean="0"/>
-              <a:t>9/2/18</a:t>
+              <a:t>9/4/18</a:t>
             </a:fld>
             <a:endParaRPr lang="en-US"/>
           </a:p>
@@ -5703,6 +5703,21 @@
             </a:r>
           </a:p>
           <a:p>
+            <a:pPr marL="2743200" lvl="5" indent="-457200">
+              <a:buFont typeface="+mj-lt"/>
+              <a:buAutoNum type="arabicPeriod"/>
+            </a:pPr>
+            <a:r>
+              <a:rPr lang="en-US" sz="2400" dirty="0"/>
+              <a:t>F1 score </a:t>
+            </a:r>
+            <a:r>
+              <a:rPr lang="en-US" sz="2400"/>
+              <a:t>when varying q</a:t>
+            </a:r>
+            <a:endParaRPr lang="en-US" sz="2400" dirty="0"/>
+          </a:p>
+          <a:p>
             <a:pPr lvl="3"/>
             <a:r>
               <a:rPr lang="en-US" sz="2400" dirty="0"/>
@@ -5714,13 +5729,15 @@
       <p:cxnSp>
         <p:nvCxnSpPr>
           <p:cNvPr id="7" name="Connettore diritto 6"/>
-          <p:cNvCxnSpPr/>
+          <p:cNvCxnSpPr>
+            <a:cxnSpLocks/>
+          </p:cNvCxnSpPr>
           <p:nvPr/>
         </p:nvCxnSpPr>
         <p:spPr>
           <a:xfrm flipH="1">
-            <a:off x="2339163" y="2929270"/>
-            <a:ext cx="15949" cy="1281223"/>
+            <a:off x="2355112" y="2929270"/>
+            <a:ext cx="1" cy="1612750"/>
           </a:xfrm>
           <a:prstGeom prst="line">
             <a:avLst/>

--- a/reports/Discussion.pptx
+++ b/reports/Discussion.pptx
@@ -5,7 +5,7 @@
     <p:sldMasterId id="2147483648" r:id="rId1"/>
   </p:sldMasterIdLst>
   <p:notesMasterIdLst>
-    <p:notesMasterId r:id="rId18"/>
+    <p:notesMasterId r:id="rId16"/>
   </p:notesMasterIdLst>
   <p:sldIdLst>
     <p:sldId id="263" r:id="rId2"/>
@@ -15,15 +15,13 @@
     <p:sldId id="257" r:id="rId6"/>
     <p:sldId id="264" r:id="rId7"/>
     <p:sldId id="262" r:id="rId8"/>
-    <p:sldId id="274" r:id="rId9"/>
-    <p:sldId id="265" r:id="rId10"/>
-    <p:sldId id="273" r:id="rId11"/>
-    <p:sldId id="268" r:id="rId12"/>
-    <p:sldId id="267" r:id="rId13"/>
-    <p:sldId id="271" r:id="rId14"/>
-    <p:sldId id="272" r:id="rId15"/>
-    <p:sldId id="270" r:id="rId16"/>
-    <p:sldId id="260" r:id="rId17"/>
+    <p:sldId id="265" r:id="rId9"/>
+    <p:sldId id="268" r:id="rId10"/>
+    <p:sldId id="267" r:id="rId11"/>
+    <p:sldId id="271" r:id="rId12"/>
+    <p:sldId id="272" r:id="rId13"/>
+    <p:sldId id="270" r:id="rId14"/>
+    <p:sldId id="260" r:id="rId15"/>
   </p:sldIdLst>
   <p:sldSz cx="12192000" cy="6858000"/>
   <p:notesSz cx="6858000" cy="9144000"/>
@@ -1642,7 +1640,7 @@
           <a:p>
             <a:fld id="{2B005D37-54BB-2E4F-99A3-E06FB375AFA4}" type="slidenum">
               <a:rPr lang="en-US" smtClean="0"/>
-              <a:t>9</a:t>
+              <a:t>8</a:t>
             </a:fld>
             <a:endParaRPr lang="en-US"/>
           </a:p>
@@ -1817,7 +1815,7 @@
           <a:p>
             <a:fld id="{2B005D37-54BB-2E4F-99A3-E06FB375AFA4}" type="slidenum">
               <a:rPr lang="en-US" smtClean="0"/>
-              <a:t>12</a:t>
+              <a:t>10</a:t>
             </a:fld>
             <a:endParaRPr lang="en-US"/>
           </a:p>
@@ -1901,7 +1899,7 @@
           <a:p>
             <a:fld id="{2B005D37-54BB-2E4F-99A3-E06FB375AFA4}" type="slidenum">
               <a:rPr lang="en-US" smtClean="0"/>
-              <a:t>13</a:t>
+              <a:t>11</a:t>
             </a:fld>
             <a:endParaRPr lang="en-US"/>
           </a:p>
@@ -5208,397 +5206,6 @@
       </p:grpSpPr>
       <p:sp>
         <p:nvSpPr>
-          <p:cNvPr id="2" name="Title 1">
-            <a:extLst>
-              <a:ext uri="{FF2B5EF4-FFF2-40B4-BE49-F238E27FC236}">
-                <a16:creationId xmlns:a16="http://schemas.microsoft.com/office/drawing/2014/main" id="{7D83707C-EAA0-3C4A-A6A3-ABD295A72BB9}"/>
-              </a:ext>
-            </a:extLst>
-          </p:cNvPr>
-          <p:cNvSpPr>
-            <a:spLocks noGrp="1"/>
-          </p:cNvSpPr>
-          <p:nvPr>
-            <p:ph type="title"/>
-          </p:nvPr>
-        </p:nvSpPr>
-        <p:spPr/>
-        <p:txBody>
-          <a:bodyPr/>
-          <a:lstStyle/>
-          <a:p>
-            <a:endParaRPr lang="en-US"/>
-          </a:p>
-        </p:txBody>
-      </p:sp>
-      <p:sp>
-        <p:nvSpPr>
-          <p:cNvPr id="3" name="Content Placeholder 2">
-            <a:extLst>
-              <a:ext uri="{FF2B5EF4-FFF2-40B4-BE49-F238E27FC236}">
-                <a16:creationId xmlns:a16="http://schemas.microsoft.com/office/drawing/2014/main" id="{26A62653-9028-BC4F-A37E-06521A1545EA}"/>
-              </a:ext>
-            </a:extLst>
-          </p:cNvPr>
-          <p:cNvSpPr>
-            <a:spLocks noGrp="1"/>
-          </p:cNvSpPr>
-          <p:nvPr>
-            <p:ph idx="1"/>
-          </p:nvPr>
-        </p:nvSpPr>
-        <p:spPr/>
-        <p:txBody>
-          <a:bodyPr/>
-          <a:lstStyle/>
-          <a:p>
-            <a:r>
-              <a:rPr lang="en-US" dirty="0" err="1"/>
-              <a:t>FraudEagle</a:t>
-            </a:r>
-            <a:r>
-              <a:rPr lang="en-US" dirty="0"/>
-              <a:t>: Leman </a:t>
-            </a:r>
-            <a:r>
-              <a:rPr lang="en-US" dirty="0" err="1"/>
-              <a:t>Akoglu</a:t>
-            </a:r>
-            <a:r>
-              <a:rPr lang="en-US" dirty="0"/>
-              <a:t> et al. Opinion Fraud Detection in Online Reviews by Network Effects. (AAAI 2013)</a:t>
-            </a:r>
-          </a:p>
-          <a:p>
-            <a:r>
-              <a:rPr lang="en-US" dirty="0"/>
-              <a:t>FRAUDAR: Bryan </a:t>
-            </a:r>
-            <a:r>
-              <a:rPr lang="en-US" dirty="0" err="1"/>
-              <a:t>Hooi</a:t>
-            </a:r>
-            <a:r>
-              <a:rPr lang="en-US"/>
-              <a:t> et al. </a:t>
-            </a:r>
-            <a:r>
-              <a:rPr lang="en-US" dirty="0" err="1"/>
-              <a:t>Fraudar</a:t>
-            </a:r>
-            <a:r>
-              <a:rPr lang="en-US" dirty="0"/>
-              <a:t>: Bounding Graph Fraud in the Face of Camouflage.</a:t>
-            </a:r>
-          </a:p>
-        </p:txBody>
-      </p:sp>
-    </p:spTree>
-    <p:extLst>
-      <p:ext uri="{BB962C8B-B14F-4D97-AF65-F5344CB8AC3E}">
-        <p14:creationId xmlns:p14="http://schemas.microsoft.com/office/powerpoint/2010/main" val="2077435839"/>
-      </p:ext>
-    </p:extLst>
-  </p:cSld>
-  <p:clrMapOvr>
-    <a:masterClrMapping/>
-  </p:clrMapOvr>
-</p:sld>
-</file>
-
-<file path=ppt/slides/slide11.xml><?xml version="1.0" encoding="utf-8"?>
-<p:sld xmlns:a="http://schemas.openxmlformats.org/drawingml/2006/main" xmlns:r="http://schemas.openxmlformats.org/officeDocument/2006/relationships" xmlns:p="http://schemas.openxmlformats.org/presentationml/2006/main">
-  <p:cSld>
-    <p:spTree>
-      <p:nvGrpSpPr>
-        <p:cNvPr id="1" name=""/>
-        <p:cNvGrpSpPr/>
-        <p:nvPr/>
-      </p:nvGrpSpPr>
-      <p:grpSpPr>
-        <a:xfrm>
-          <a:off x="0" y="0"/>
-          <a:ext cx="0" cy="0"/>
-          <a:chOff x="0" y="0"/>
-          <a:chExt cx="0" cy="0"/>
-        </a:xfrm>
-      </p:grpSpPr>
-      <p:sp>
-        <p:nvSpPr>
-          <p:cNvPr id="2" name="Titolo 1"/>
-          <p:cNvSpPr>
-            <a:spLocks noGrp="1"/>
-          </p:cNvSpPr>
-          <p:nvPr>
-            <p:ph type="title"/>
-          </p:nvPr>
-        </p:nvSpPr>
-        <p:spPr/>
-        <p:txBody>
-          <a:bodyPr/>
-          <a:lstStyle/>
-          <a:p>
-            <a:r>
-              <a:rPr lang="it-IT" dirty="0" err="1"/>
-              <a:t>Parameters</a:t>
-            </a:r>
-            <a:endParaRPr lang="it-IT" dirty="0"/>
-          </a:p>
-        </p:txBody>
-      </p:sp>
-      <p:sp>
-        <p:nvSpPr>
-          <p:cNvPr id="3" name="Segnaposto contenuto 2"/>
-          <p:cNvSpPr>
-            <a:spLocks noGrp="1"/>
-          </p:cNvSpPr>
-          <p:nvPr>
-            <p:ph idx="1"/>
-          </p:nvPr>
-        </p:nvSpPr>
-        <p:spPr/>
-        <p:txBody>
-          <a:bodyPr>
-            <a:normAutofit/>
-          </a:bodyPr>
-          <a:lstStyle/>
-          <a:p>
-            <a:r>
-              <a:rPr lang="it-IT" dirty="0" err="1"/>
-              <a:t>Dataset</a:t>
-            </a:r>
-            <a:r>
-              <a:rPr lang="it-IT" dirty="0"/>
-              <a:t>: D </a:t>
-            </a:r>
-            <a:r>
-              <a:rPr lang="it-IT" dirty="0">
-                <a:sym typeface="Symbol" panose="05050102010706020507" pitchFamily="18" charset="2"/>
-              </a:rPr>
-              <a:t> {Alpha, OTC, </a:t>
-            </a:r>
-            <a:r>
-              <a:rPr lang="it-IT" dirty="0" err="1">
-                <a:sym typeface="Symbol" panose="05050102010706020507" pitchFamily="18" charset="2"/>
-              </a:rPr>
-              <a:t>Epinions</a:t>
-            </a:r>
-            <a:r>
-              <a:rPr lang="it-IT" dirty="0">
-                <a:sym typeface="Symbol" panose="05050102010706020507" pitchFamily="18" charset="2"/>
-              </a:rPr>
-              <a:t>, Amazon}</a:t>
-            </a:r>
-            <a:endParaRPr lang="it-IT" dirty="0"/>
-          </a:p>
-          <a:p>
-            <a:r>
-              <a:rPr lang="it-IT" dirty="0"/>
-              <a:t>Competitor: A</a:t>
-            </a:r>
-            <a:r>
-              <a:rPr lang="it-IT" dirty="0">
-                <a:sym typeface="Symbol" panose="05050102010706020507" pitchFamily="18" charset="2"/>
-              </a:rPr>
-              <a:t>  {</a:t>
-            </a:r>
-            <a:r>
-              <a:rPr lang="it-IT" dirty="0" err="1">
-                <a:sym typeface="Symbol" panose="05050102010706020507" pitchFamily="18" charset="2"/>
-              </a:rPr>
-              <a:t>Rev2</a:t>
-            </a:r>
-            <a:r>
-              <a:rPr lang="it-IT" dirty="0">
-                <a:sym typeface="Symbol" panose="05050102010706020507" pitchFamily="18" charset="2"/>
-              </a:rPr>
-              <a:t>, </a:t>
-            </a:r>
-            <a:r>
-              <a:rPr lang="it-IT" dirty="0" err="1">
-                <a:sym typeface="Symbol" panose="05050102010706020507" pitchFamily="18" charset="2"/>
-              </a:rPr>
-              <a:t>Bad</a:t>
-            </a:r>
-            <a:r>
-              <a:rPr lang="it-IT" dirty="0">
-                <a:sym typeface="Symbol" panose="05050102010706020507" pitchFamily="18" charset="2"/>
-              </a:rPr>
-              <a:t>, </a:t>
-            </a:r>
-            <a:r>
-              <a:rPr lang="it-IT" dirty="0" err="1">
-                <a:sym typeface="Symbol" panose="05050102010706020507" pitchFamily="18" charset="2"/>
-              </a:rPr>
-              <a:t>Birdnest</a:t>
-            </a:r>
-            <a:r>
-              <a:rPr lang="it-IT" dirty="0">
-                <a:sym typeface="Symbol" panose="05050102010706020507" pitchFamily="18" charset="2"/>
-              </a:rPr>
-              <a:t>, Trust}</a:t>
-            </a:r>
-          </a:p>
-          <a:p>
-            <a:r>
-              <a:rPr lang="it-IT" dirty="0" err="1"/>
-              <a:t>Number</a:t>
-            </a:r>
-            <a:r>
-              <a:rPr lang="it-IT" dirty="0"/>
-              <a:t> of target </a:t>
-            </a:r>
-            <a:r>
-              <a:rPr lang="it-IT" dirty="0" err="1"/>
-              <a:t>products</a:t>
-            </a:r>
-            <a:r>
-              <a:rPr lang="it-IT" dirty="0"/>
-              <a:t>: T = 100</a:t>
-            </a:r>
-          </a:p>
-          <a:p>
-            <a:r>
-              <a:rPr lang="it-IT" dirty="0"/>
-              <a:t>Ratio sockpuppets/</a:t>
-            </a:r>
-            <a:r>
-              <a:rPr lang="it-IT" dirty="0" err="1"/>
-              <a:t>original</a:t>
-            </a:r>
-            <a:r>
-              <a:rPr lang="it-IT" dirty="0"/>
-              <a:t>:                           </a:t>
-            </a:r>
-            <a:r>
-              <a:rPr lang="it-IT" dirty="0">
-                <a:sym typeface="Symbol" panose="05050102010706020507" pitchFamily="18" charset="2"/>
-              </a:rPr>
-              <a:t></a:t>
-            </a:r>
-            <a:r>
-              <a:rPr lang="it-IT" dirty="0"/>
-              <a:t> {0%, 10%, …, 100%}</a:t>
-            </a:r>
-          </a:p>
-          <a:p>
-            <a:r>
-              <a:rPr lang="it-IT" dirty="0" err="1"/>
-              <a:t>Reviews</a:t>
-            </a:r>
-            <a:r>
-              <a:rPr lang="it-IT" dirty="0"/>
-              <a:t> by </a:t>
-            </a:r>
-            <a:r>
-              <a:rPr lang="it-IT" dirty="0" err="1"/>
-              <a:t>each</a:t>
-            </a:r>
-            <a:r>
-              <a:rPr lang="it-IT" dirty="0"/>
-              <a:t> sockpuppet: N </a:t>
-            </a:r>
-            <a:r>
-              <a:rPr lang="it-IT" dirty="0">
-                <a:sym typeface="Symbol" panose="05050102010706020507" pitchFamily="18" charset="2"/>
-              </a:rPr>
-              <a:t></a:t>
-            </a:r>
-            <a:r>
-              <a:rPr lang="it-IT" dirty="0"/>
-              <a:t> {1, 5, 10, 15, ..., 50}</a:t>
-            </a:r>
-          </a:p>
-          <a:p>
-            <a:r>
-              <a:rPr lang="en-US" dirty="0"/>
-              <a:t>Top percentile assumed as fraudulent: q </a:t>
-            </a:r>
-            <a:r>
-              <a:rPr lang="it-IT" dirty="0">
-                <a:sym typeface="Symbol" panose="05050102010706020507" pitchFamily="18" charset="2"/>
-              </a:rPr>
-              <a:t> {2%, 4%, ..., 20%}</a:t>
-            </a:r>
-            <a:endParaRPr lang="it-IT" dirty="0"/>
-          </a:p>
-          <a:p>
-            <a:endParaRPr lang="en-US" dirty="0">
-              <a:solidFill>
-                <a:srgbClr val="FF0000"/>
-              </a:solidFill>
-            </a:endParaRPr>
-          </a:p>
-          <a:p>
-            <a:endParaRPr lang="it-IT" dirty="0"/>
-          </a:p>
-          <a:p>
-            <a:endParaRPr lang="it-IT" dirty="0"/>
-          </a:p>
-        </p:txBody>
-      </p:sp>
-      <p:pic>
-        <p:nvPicPr>
-          <p:cNvPr id="4" name="Picture 3">
-            <a:extLst>
-              <a:ext uri="{FF2B5EF4-FFF2-40B4-BE49-F238E27FC236}">
-                <a16:creationId xmlns:a16="http://schemas.microsoft.com/office/drawing/2014/main" id="{562FCC44-E39C-9949-BE9E-3A46442A9353}"/>
-              </a:ext>
-            </a:extLst>
-          </p:cNvPr>
-          <p:cNvPicPr>
-            <a:picLocks noChangeAspect="1"/>
-          </p:cNvPicPr>
-          <p:nvPr/>
-        </p:nvPicPr>
-        <p:blipFill>
-          <a:blip r:embed="rId2"/>
-          <a:stretch>
-            <a:fillRect/>
-          </a:stretch>
-        </p:blipFill>
-        <p:spPr>
-          <a:xfrm>
-            <a:off x="5172328" y="3307194"/>
-            <a:ext cx="2064743" cy="634171"/>
-          </a:xfrm>
-          <a:prstGeom prst="rect">
-            <a:avLst/>
-          </a:prstGeom>
-        </p:spPr>
-      </p:pic>
-    </p:spTree>
-    <p:extLst>
-      <p:ext uri="{BB962C8B-B14F-4D97-AF65-F5344CB8AC3E}">
-        <p14:creationId xmlns:p14="http://schemas.microsoft.com/office/powerpoint/2010/main" val="3309622766"/>
-      </p:ext>
-    </p:extLst>
-  </p:cSld>
-  <p:clrMapOvr>
-    <a:masterClrMapping/>
-  </p:clrMapOvr>
-</p:sld>
-</file>
-
-<file path=ppt/slides/slide12.xml><?xml version="1.0" encoding="utf-8"?>
-<p:sld xmlns:a="http://schemas.openxmlformats.org/drawingml/2006/main" xmlns:r="http://schemas.openxmlformats.org/officeDocument/2006/relationships" xmlns:p="http://schemas.openxmlformats.org/presentationml/2006/main">
-  <p:cSld>
-    <p:spTree>
-      <p:nvGrpSpPr>
-        <p:cNvPr id="1" name=""/>
-        <p:cNvGrpSpPr/>
-        <p:nvPr/>
-      </p:nvGrpSpPr>
-      <p:grpSpPr>
-        <a:xfrm>
-          <a:off x="0" y="0"/>
-          <a:ext cx="0" cy="0"/>
-          <a:chOff x="0" y="0"/>
-          <a:chExt cx="0" cy="0"/>
-        </a:xfrm>
-      </p:grpSpPr>
-      <p:sp>
-        <p:nvSpPr>
           <p:cNvPr id="2" name="Titolo 1"/>
           <p:cNvSpPr>
             <a:spLocks noGrp="1"/>
@@ -5771,6 +5378,154 @@
 </p:sld>
 </file>
 
+<file path=ppt/slides/slide11.xml><?xml version="1.0" encoding="utf-8"?>
+<p:sld xmlns:a="http://schemas.openxmlformats.org/drawingml/2006/main" xmlns:r="http://schemas.openxmlformats.org/officeDocument/2006/relationships" xmlns:p="http://schemas.openxmlformats.org/presentationml/2006/main">
+  <p:cSld>
+    <p:spTree>
+      <p:nvGrpSpPr>
+        <p:cNvPr id="1" name=""/>
+        <p:cNvGrpSpPr/>
+        <p:nvPr/>
+      </p:nvGrpSpPr>
+      <p:grpSpPr>
+        <a:xfrm>
+          <a:off x="0" y="0"/>
+          <a:ext cx="0" cy="0"/>
+          <a:chOff x="0" y="0"/>
+          <a:chExt cx="0" cy="0"/>
+        </a:xfrm>
+      </p:grpSpPr>
+      <p:sp>
+        <p:nvSpPr>
+          <p:cNvPr id="4" name="Titolo 3"/>
+          <p:cNvSpPr>
+            <a:spLocks noGrp="1"/>
+          </p:cNvSpPr>
+          <p:nvPr>
+            <p:ph type="ctrTitle"/>
+          </p:nvPr>
+        </p:nvSpPr>
+        <p:spPr/>
+        <p:txBody>
+          <a:bodyPr/>
+          <a:lstStyle/>
+          <a:p>
+            <a:r>
+              <a:rPr lang="it-IT" dirty="0" err="1"/>
+              <a:t>Experimental</a:t>
+            </a:r>
+            <a:r>
+              <a:rPr lang="it-IT" dirty="0"/>
+              <a:t> </a:t>
+            </a:r>
+            <a:r>
+              <a:rPr lang="it-IT" dirty="0" err="1"/>
+              <a:t>results</a:t>
+            </a:r>
+            <a:endParaRPr lang="it-IT" dirty="0"/>
+          </a:p>
+        </p:txBody>
+      </p:sp>
+      <p:sp>
+        <p:nvSpPr>
+          <p:cNvPr id="5" name="Sottotitolo 4"/>
+          <p:cNvSpPr>
+            <a:spLocks noGrp="1"/>
+          </p:cNvSpPr>
+          <p:nvPr>
+            <p:ph type="subTitle" idx="1"/>
+          </p:nvPr>
+        </p:nvSpPr>
+        <p:spPr/>
+        <p:txBody>
+          <a:bodyPr/>
+          <a:lstStyle/>
+          <a:p>
+            <a:endParaRPr lang="it-IT"/>
+          </a:p>
+        </p:txBody>
+      </p:sp>
+    </p:spTree>
+    <p:extLst>
+      <p:ext uri="{BB962C8B-B14F-4D97-AF65-F5344CB8AC3E}">
+        <p14:creationId xmlns:p14="http://schemas.microsoft.com/office/powerpoint/2010/main" val="2247310514"/>
+      </p:ext>
+    </p:extLst>
+  </p:cSld>
+  <p:clrMapOvr>
+    <a:masterClrMapping/>
+  </p:clrMapOvr>
+</p:sld>
+</file>
+
+<file path=ppt/slides/slide12.xml><?xml version="1.0" encoding="utf-8"?>
+<p:sld xmlns:a="http://schemas.openxmlformats.org/drawingml/2006/main" xmlns:r="http://schemas.openxmlformats.org/officeDocument/2006/relationships" xmlns:p="http://schemas.openxmlformats.org/presentationml/2006/main">
+  <p:cSld>
+    <p:spTree>
+      <p:nvGrpSpPr>
+        <p:cNvPr id="1" name=""/>
+        <p:cNvGrpSpPr/>
+        <p:nvPr/>
+      </p:nvGrpSpPr>
+      <p:grpSpPr>
+        <a:xfrm>
+          <a:off x="0" y="0"/>
+          <a:ext cx="0" cy="0"/>
+          <a:chOff x="0" y="0"/>
+          <a:chExt cx="0" cy="0"/>
+        </a:xfrm>
+      </p:grpSpPr>
+      <p:sp>
+        <p:nvSpPr>
+          <p:cNvPr id="2" name="Titolo 1"/>
+          <p:cNvSpPr>
+            <a:spLocks noGrp="1"/>
+          </p:cNvSpPr>
+          <p:nvPr>
+            <p:ph type="title"/>
+          </p:nvPr>
+        </p:nvSpPr>
+        <p:spPr/>
+        <p:txBody>
+          <a:bodyPr/>
+          <a:lstStyle/>
+          <a:p>
+            <a:endParaRPr lang="it-IT"/>
+          </a:p>
+        </p:txBody>
+      </p:sp>
+      <p:sp>
+        <p:nvSpPr>
+          <p:cNvPr id="3" name="Segnaposto contenuto 2"/>
+          <p:cNvSpPr>
+            <a:spLocks noGrp="1"/>
+          </p:cNvSpPr>
+          <p:nvPr>
+            <p:ph idx="1"/>
+          </p:nvPr>
+        </p:nvSpPr>
+        <p:spPr/>
+        <p:txBody>
+          <a:bodyPr/>
+          <a:lstStyle/>
+          <a:p>
+            <a:endParaRPr lang="it-IT"/>
+          </a:p>
+        </p:txBody>
+      </p:sp>
+    </p:spTree>
+    <p:extLst>
+      <p:ext uri="{BB962C8B-B14F-4D97-AF65-F5344CB8AC3E}">
+        <p14:creationId xmlns:p14="http://schemas.microsoft.com/office/powerpoint/2010/main" val="3751589224"/>
+      </p:ext>
+    </p:extLst>
+  </p:cSld>
+  <p:clrMapOvr>
+    <a:masterClrMapping/>
+  </p:clrMapOvr>
+</p:sld>
+</file>
+
 <file path=ppt/slides/slide13.xml><?xml version="1.0" encoding="utf-8"?>
 <p:sld xmlns:a="http://schemas.openxmlformats.org/drawingml/2006/main" xmlns:r="http://schemas.openxmlformats.org/officeDocument/2006/relationships" xmlns:p="http://schemas.openxmlformats.org/presentationml/2006/main">
   <p:cSld>
@@ -5805,154 +5560,6 @@
           <a:p>
             <a:r>
               <a:rPr lang="it-IT" dirty="0" err="1"/>
-              <a:t>Experimental</a:t>
-            </a:r>
-            <a:r>
-              <a:rPr lang="it-IT" dirty="0"/>
-              <a:t> </a:t>
-            </a:r>
-            <a:r>
-              <a:rPr lang="it-IT" dirty="0" err="1"/>
-              <a:t>results</a:t>
-            </a:r>
-            <a:endParaRPr lang="it-IT" dirty="0"/>
-          </a:p>
-        </p:txBody>
-      </p:sp>
-      <p:sp>
-        <p:nvSpPr>
-          <p:cNvPr id="5" name="Sottotitolo 4"/>
-          <p:cNvSpPr>
-            <a:spLocks noGrp="1"/>
-          </p:cNvSpPr>
-          <p:nvPr>
-            <p:ph type="subTitle" idx="1"/>
-          </p:nvPr>
-        </p:nvSpPr>
-        <p:spPr/>
-        <p:txBody>
-          <a:bodyPr/>
-          <a:lstStyle/>
-          <a:p>
-            <a:endParaRPr lang="it-IT"/>
-          </a:p>
-        </p:txBody>
-      </p:sp>
-    </p:spTree>
-    <p:extLst>
-      <p:ext uri="{BB962C8B-B14F-4D97-AF65-F5344CB8AC3E}">
-        <p14:creationId xmlns:p14="http://schemas.microsoft.com/office/powerpoint/2010/main" val="2247310514"/>
-      </p:ext>
-    </p:extLst>
-  </p:cSld>
-  <p:clrMapOvr>
-    <a:masterClrMapping/>
-  </p:clrMapOvr>
-</p:sld>
-</file>
-
-<file path=ppt/slides/slide14.xml><?xml version="1.0" encoding="utf-8"?>
-<p:sld xmlns:a="http://schemas.openxmlformats.org/drawingml/2006/main" xmlns:r="http://schemas.openxmlformats.org/officeDocument/2006/relationships" xmlns:p="http://schemas.openxmlformats.org/presentationml/2006/main">
-  <p:cSld>
-    <p:spTree>
-      <p:nvGrpSpPr>
-        <p:cNvPr id="1" name=""/>
-        <p:cNvGrpSpPr/>
-        <p:nvPr/>
-      </p:nvGrpSpPr>
-      <p:grpSpPr>
-        <a:xfrm>
-          <a:off x="0" y="0"/>
-          <a:ext cx="0" cy="0"/>
-          <a:chOff x="0" y="0"/>
-          <a:chExt cx="0" cy="0"/>
-        </a:xfrm>
-      </p:grpSpPr>
-      <p:sp>
-        <p:nvSpPr>
-          <p:cNvPr id="2" name="Titolo 1"/>
-          <p:cNvSpPr>
-            <a:spLocks noGrp="1"/>
-          </p:cNvSpPr>
-          <p:nvPr>
-            <p:ph type="title"/>
-          </p:nvPr>
-        </p:nvSpPr>
-        <p:spPr/>
-        <p:txBody>
-          <a:bodyPr/>
-          <a:lstStyle/>
-          <a:p>
-            <a:endParaRPr lang="it-IT"/>
-          </a:p>
-        </p:txBody>
-      </p:sp>
-      <p:sp>
-        <p:nvSpPr>
-          <p:cNvPr id="3" name="Segnaposto contenuto 2"/>
-          <p:cNvSpPr>
-            <a:spLocks noGrp="1"/>
-          </p:cNvSpPr>
-          <p:nvPr>
-            <p:ph idx="1"/>
-          </p:nvPr>
-        </p:nvSpPr>
-        <p:spPr/>
-        <p:txBody>
-          <a:bodyPr/>
-          <a:lstStyle/>
-          <a:p>
-            <a:endParaRPr lang="it-IT"/>
-          </a:p>
-        </p:txBody>
-      </p:sp>
-    </p:spTree>
-    <p:extLst>
-      <p:ext uri="{BB962C8B-B14F-4D97-AF65-F5344CB8AC3E}">
-        <p14:creationId xmlns:p14="http://schemas.microsoft.com/office/powerpoint/2010/main" val="3751589224"/>
-      </p:ext>
-    </p:extLst>
-  </p:cSld>
-  <p:clrMapOvr>
-    <a:masterClrMapping/>
-  </p:clrMapOvr>
-</p:sld>
-</file>
-
-<file path=ppt/slides/slide15.xml><?xml version="1.0" encoding="utf-8"?>
-<p:sld xmlns:a="http://schemas.openxmlformats.org/drawingml/2006/main" xmlns:r="http://schemas.openxmlformats.org/officeDocument/2006/relationships" xmlns:p="http://schemas.openxmlformats.org/presentationml/2006/main">
-  <p:cSld>
-    <p:spTree>
-      <p:nvGrpSpPr>
-        <p:cNvPr id="1" name=""/>
-        <p:cNvGrpSpPr/>
-        <p:nvPr/>
-      </p:nvGrpSpPr>
-      <p:grpSpPr>
-        <a:xfrm>
-          <a:off x="0" y="0"/>
-          <a:ext cx="0" cy="0"/>
-          <a:chOff x="0" y="0"/>
-          <a:chExt cx="0" cy="0"/>
-        </a:xfrm>
-      </p:grpSpPr>
-      <p:sp>
-        <p:nvSpPr>
-          <p:cNvPr id="4" name="Titolo 3"/>
-          <p:cNvSpPr>
-            <a:spLocks noGrp="1"/>
-          </p:cNvSpPr>
-          <p:nvPr>
-            <p:ph type="ctrTitle"/>
-          </p:nvPr>
-        </p:nvSpPr>
-        <p:spPr/>
-        <p:txBody>
-          <a:bodyPr/>
-          <a:lstStyle/>
-          <a:p>
-            <a:r>
-              <a:rPr lang="it-IT" dirty="0" err="1"/>
               <a:t>Old</a:t>
             </a:r>
             <a:r>
@@ -5999,7 +5606,7 @@
 </p:sld>
 </file>
 
-<file path=ppt/slides/slide16.xml><?xml version="1.0" encoding="utf-8"?>
+<file path=ppt/slides/slide14.xml><?xml version="1.0" encoding="utf-8"?>
 <p:sld xmlns:a="http://schemas.openxmlformats.org/drawingml/2006/main" xmlns:r="http://schemas.openxmlformats.org/officeDocument/2006/relationships" xmlns:p="http://schemas.openxmlformats.org/presentationml/2006/main">
   <p:cSld>
     <p:spTree>
@@ -6685,6 +6292,15 @@
               <a:rPr lang="en-US" sz="2000" dirty="0"/>
               <a:t>) ratings from 1 to 5, (ii) the bad guys always want to maximize the rating</a:t>
             </a:r>
+          </a:p>
+          <a:p>
+            <a:pPr marL="0" indent="0">
+              <a:buNone/>
+            </a:pPr>
+            <a:r>
+              <a:rPr lang="en-US" sz="2000" dirty="0"/>
+              <a:t>* The bad guys may also try to improve their strategy by setting the ratings to 4 or a random number between 4 and 5.</a:t>
+            </a:r>
             <a:endParaRPr lang="en-US" dirty="0"/>
           </a:p>
         </p:txBody>
@@ -9320,13 +8936,7 @@
       </p:grpSpPr>
       <p:sp>
         <p:nvSpPr>
-          <p:cNvPr id="4" name="Title 3">
-            <a:extLst>
-              <a:ext uri="{FF2B5EF4-FFF2-40B4-BE49-F238E27FC236}">
-                <a16:creationId xmlns:a16="http://schemas.microsoft.com/office/drawing/2014/main" id="{20F09ADE-336A-0F4C-ACCA-6D70A6C84DE3}"/>
-              </a:ext>
-            </a:extLst>
-          </p:cNvPr>
+          <p:cNvPr id="2" name="Titolo 1"/>
           <p:cNvSpPr>
             <a:spLocks noGrp="1"/>
           </p:cNvSpPr>
@@ -9336,65 +8946,185 @@
         </p:nvSpPr>
         <p:spPr/>
         <p:txBody>
-          <a:bodyPr/>
+          <a:bodyPr>
+            <a:normAutofit/>
+          </a:bodyPr>
           <a:lstStyle/>
           <a:p>
             <a:r>
-              <a:rPr lang="it-IT" dirty="0"/>
-              <a:t>Competitors (</a:t>
-            </a:r>
-            <a:r>
-              <a:rPr lang="it-IT" dirty="0" err="1"/>
-              <a:t>benchmarks</a:t>
-            </a:r>
-            <a:r>
-              <a:rPr lang="it-IT" dirty="0"/>
-              <a:t>)</a:t>
-            </a:r>
+              <a:rPr lang="it-IT"/>
+              <a:t>Competitors</a:t>
+            </a:r>
+            <a:endParaRPr lang="it-IT" dirty="0"/>
+          </a:p>
+        </p:txBody>
+      </p:sp>
+      <p:sp>
+        <p:nvSpPr>
+          <p:cNvPr id="3" name="Segnaposto contenuto 2"/>
+          <p:cNvSpPr>
+            <a:spLocks noGrp="1"/>
+          </p:cNvSpPr>
+          <p:nvPr>
+            <p:ph idx="1"/>
+          </p:nvPr>
+        </p:nvSpPr>
+        <p:spPr/>
+        <p:txBody>
+          <a:bodyPr>
+            <a:normAutofit fontScale="77500" lnSpcReduction="20000"/>
+          </a:bodyPr>
+          <a:lstStyle/>
+          <a:p>
+            <a:r>
+              <a:rPr lang="en-US" dirty="0"/>
+              <a:t>Rev2: </a:t>
+            </a:r>
+            <a:r>
+              <a:rPr lang="en-US" dirty="0" err="1"/>
+              <a:t>Srijan</a:t>
+            </a:r>
+            <a:r>
+              <a:rPr lang="en-US" dirty="0"/>
+              <a:t> Kumar, et al. REV2: Fraudulent User Prediction in Rating Platforms. (WSDM 2016)</a:t>
+            </a:r>
+          </a:p>
+          <a:p>
+            <a:r>
+              <a:rPr lang="en-US" dirty="0"/>
+              <a:t>Bad: Abhinav Mishra, Arnab Bhattacharya. Finding the Bias and Prestige of Nodes in Networks based on Trust Scores. (WWW 2011)</a:t>
+            </a:r>
+          </a:p>
+          <a:p>
+            <a:r>
+              <a:rPr lang="en-US" dirty="0" err="1"/>
+              <a:t>Birdnest</a:t>
+            </a:r>
+            <a:r>
+              <a:rPr lang="en-US" dirty="0"/>
+              <a:t>: Bryan </a:t>
+            </a:r>
+            <a:r>
+              <a:rPr lang="en-US" dirty="0" err="1"/>
+              <a:t>Hooi</a:t>
+            </a:r>
+            <a:r>
+              <a:rPr lang="en-US" dirty="0"/>
+              <a:t>, et al. Bayesian Inference for Ratings-Fraud Detection. (SIAM 2016)</a:t>
+            </a:r>
+          </a:p>
+          <a:p>
+            <a:r>
+              <a:rPr lang="en-US" dirty="0"/>
+              <a:t>Trust: Guan Wang, </a:t>
+            </a:r>
+            <a:r>
+              <a:rPr lang="en-US" dirty="0" err="1"/>
+              <a:t>Sihong</a:t>
+            </a:r>
+            <a:r>
+              <a:rPr lang="en-US" dirty="0"/>
+              <a:t> </a:t>
+            </a:r>
+            <a:r>
+              <a:rPr lang="en-US" dirty="0" err="1"/>
+              <a:t>Xie</a:t>
+            </a:r>
+            <a:r>
+              <a:rPr lang="en-US" dirty="0"/>
+              <a:t>, Bing Liu, Philip Yu. Review graph based online store review spammer detection. (ICDM 2011)</a:t>
+            </a:r>
+          </a:p>
+          <a:p>
+            <a:r>
+              <a:rPr lang="en-US" dirty="0" err="1"/>
+              <a:t>FraudEagle</a:t>
+            </a:r>
+            <a:r>
+              <a:rPr lang="en-US" dirty="0"/>
+              <a:t>: Leman </a:t>
+            </a:r>
+            <a:r>
+              <a:rPr lang="en-US" dirty="0" err="1"/>
+              <a:t>Akoglu</a:t>
+            </a:r>
+            <a:r>
+              <a:rPr lang="en-US" dirty="0"/>
+              <a:t> et al. Opinion Fraud Detection in Online Reviews by Network Effects. (AAAI 2013)</a:t>
+            </a:r>
+          </a:p>
+          <a:p>
+            <a:r>
+              <a:rPr lang="en-US" dirty="0"/>
+              <a:t>FRAUDAR: Bryan </a:t>
+            </a:r>
+            <a:r>
+              <a:rPr lang="en-US" dirty="0" err="1"/>
+              <a:t>Hooi</a:t>
+            </a:r>
+            <a:r>
+              <a:rPr lang="en-US" dirty="0"/>
+              <a:t> et al. </a:t>
+            </a:r>
+            <a:r>
+              <a:rPr lang="en-US" dirty="0" err="1"/>
+              <a:t>Fraudar</a:t>
+            </a:r>
+            <a:r>
+              <a:rPr lang="en-US" dirty="0"/>
+              <a:t>: Bounding Graph Fraud in the Face of Camouflage. (KDD 2016)</a:t>
+            </a:r>
+          </a:p>
+          <a:p>
+            <a:r>
+              <a:rPr lang="en-US" dirty="0" err="1"/>
+              <a:t>Rsd</a:t>
+            </a:r>
+            <a:r>
+              <a:rPr lang="en-US" dirty="0"/>
+              <a:t>: Guan Wang et al. Review Graph Based Online Store Review Spammer Detection. (ICDM 2011)</a:t>
+            </a:r>
+          </a:p>
+          <a:p>
+            <a:pPr lvl="1"/>
             <a:endParaRPr lang="en-US" dirty="0"/>
           </a:p>
         </p:txBody>
       </p:sp>
       <p:sp>
         <p:nvSpPr>
-          <p:cNvPr id="5" name="Text Placeholder 4">
-            <a:extLst>
-              <a:ext uri="{FF2B5EF4-FFF2-40B4-BE49-F238E27FC236}">
-                <a16:creationId xmlns:a16="http://schemas.microsoft.com/office/drawing/2014/main" id="{715E99FE-EB9E-C246-8A0C-E5D5414C92FB}"/>
-              </a:ext>
-            </a:extLst>
-          </p:cNvPr>
-          <p:cNvSpPr>
-            <a:spLocks noGrp="1"/>
-          </p:cNvSpPr>
-          <p:nvPr>
-            <p:ph type="body" idx="1"/>
-          </p:nvPr>
-        </p:nvSpPr>
-        <p:spPr/>
-        <p:txBody>
-          <a:bodyPr/>
+          <p:cNvPr id="4" name="CasellaDiTesto 3"/>
+          <p:cNvSpPr txBox="1"/>
+          <p:nvPr/>
+        </p:nvSpPr>
+        <p:spPr>
+          <a:xfrm>
+            <a:off x="648586" y="6044609"/>
+            <a:ext cx="11082329" cy="369332"/>
+          </a:xfrm>
+          <a:prstGeom prst="rect">
+            <a:avLst/>
+          </a:prstGeom>
+          <a:noFill/>
+        </p:spPr>
+        <p:txBody>
+          <a:bodyPr wrap="none" rtlCol="0">
+            <a:spAutoFit/>
+          </a:bodyPr>
           <a:lstStyle/>
           <a:p>
             <a:r>
-              <a:rPr lang="en-US" dirty="0"/>
-              <a:t>Our goal is a new algorithm that is </a:t>
-            </a:r>
-            <a:r>
-              <a:rPr lang="en-US" dirty="0" err="1"/>
-              <a:t>resistent</a:t>
-            </a:r>
-            <a:r>
-              <a:rPr lang="en-US" dirty="0"/>
-              <a:t> to this type of attack. So, the competitors are other fraudulent detectors.</a:t>
-            </a:r>
+              <a:rPr lang="en-US"/>
+              <a:t>Our goal is a new algorithm that is resistent to this type of attack. So, the competitors are other fraudulent detectors</a:t>
+            </a:r>
+            <a:endParaRPr lang="it-IT"/>
           </a:p>
         </p:txBody>
       </p:sp>
     </p:spTree>
     <p:extLst>
       <p:ext uri="{BB962C8B-B14F-4D97-AF65-F5344CB8AC3E}">
-        <p14:creationId xmlns:p14="http://schemas.microsoft.com/office/powerpoint/2010/main" val="1669111837"/>
+        <p14:creationId xmlns:p14="http://schemas.microsoft.com/office/powerpoint/2010/main" val="791042162"/>
       </p:ext>
     </p:extLst>
   </p:cSld>
@@ -9437,9 +9167,10 @@
           <a:lstStyle/>
           <a:p>
             <a:r>
-              <a:rPr lang="it-IT" dirty="0"/>
-              <a:t>Competitors 1</a:t>
-            </a:r>
+              <a:rPr lang="it-IT" dirty="0" err="1"/>
+              <a:t>Parameters</a:t>
+            </a:r>
+            <a:endParaRPr lang="it-IT" dirty="0"/>
           </a:p>
         </p:txBody>
       </p:sp>
@@ -9453,7 +9184,12 @@
             <p:ph idx="1"/>
           </p:nvPr>
         </p:nvSpPr>
-        <p:spPr/>
+        <p:spPr>
+          <a:xfrm>
+            <a:off x="483781" y="1825625"/>
+            <a:ext cx="10870019" cy="4351338"/>
+          </a:xfrm>
+        </p:spPr>
         <p:txBody>
           <a:bodyPr>
             <a:normAutofit/>
@@ -9461,74 +9197,213 @@
           <a:lstStyle/>
           <a:p>
             <a:r>
+              <a:rPr lang="it-IT" dirty="0" err="1"/>
+              <a:t>Dataset</a:t>
+            </a:r>
+            <a:r>
+              <a:rPr lang="it-IT" dirty="0"/>
+              <a:t>: D </a:t>
+            </a:r>
+            <a:r>
+              <a:rPr lang="it-IT" dirty="0">
+                <a:sym typeface="Symbol" panose="05050102010706020507" pitchFamily="18" charset="2"/>
+              </a:rPr>
+              <a:t> {Alpha, OTC, </a:t>
+            </a:r>
+            <a:r>
+              <a:rPr lang="it-IT" dirty="0" err="1">
+                <a:sym typeface="Symbol" panose="05050102010706020507" pitchFamily="18" charset="2"/>
+              </a:rPr>
+              <a:t>Epinions</a:t>
+            </a:r>
+            <a:r>
+              <a:rPr lang="it-IT" dirty="0">
+                <a:sym typeface="Symbol" panose="05050102010706020507" pitchFamily="18" charset="2"/>
+              </a:rPr>
+              <a:t>, Amazon}</a:t>
+            </a:r>
+            <a:endParaRPr lang="it-IT" dirty="0"/>
+          </a:p>
+          <a:p>
+            <a:r>
+              <a:rPr lang="it-IT" dirty="0"/>
+              <a:t>Competitor: A</a:t>
+            </a:r>
+            <a:r>
+              <a:rPr lang="it-IT" dirty="0">
+                <a:sym typeface="Symbol" panose="05050102010706020507" pitchFamily="18" charset="2"/>
+              </a:rPr>
+              <a:t>  {</a:t>
+            </a:r>
+            <a:r>
+              <a:rPr lang="it-IT" dirty="0" err="1">
+                <a:sym typeface="Symbol" panose="05050102010706020507" pitchFamily="18" charset="2"/>
+              </a:rPr>
+              <a:t>Rev2</a:t>
+            </a:r>
+            <a:r>
+              <a:rPr lang="it-IT" dirty="0">
+                <a:sym typeface="Symbol" panose="05050102010706020507" pitchFamily="18" charset="2"/>
+              </a:rPr>
+              <a:t>, </a:t>
+            </a:r>
+            <a:r>
+              <a:rPr lang="it-IT" dirty="0" err="1">
+                <a:sym typeface="Symbol" panose="05050102010706020507" pitchFamily="18" charset="2"/>
+              </a:rPr>
+              <a:t>Bad</a:t>
+            </a:r>
+            <a:r>
+              <a:rPr lang="it-IT" dirty="0">
+                <a:sym typeface="Symbol" panose="05050102010706020507" pitchFamily="18" charset="2"/>
+              </a:rPr>
+              <a:t>, </a:t>
+            </a:r>
+            <a:r>
+              <a:rPr lang="it-IT" dirty="0" err="1">
+                <a:sym typeface="Symbol" panose="05050102010706020507" pitchFamily="18" charset="2"/>
+              </a:rPr>
+              <a:t>Birdnest</a:t>
+            </a:r>
+            <a:r>
+              <a:rPr lang="it-IT">
+                <a:sym typeface="Symbol" panose="05050102010706020507" pitchFamily="18" charset="2"/>
+              </a:rPr>
+              <a:t>, Trust, FraudEagle, FRAUDAR, Rsd}</a:t>
+            </a:r>
+          </a:p>
+          <a:p>
+            <a:r>
+              <a:rPr lang="it-IT"/>
+              <a:t>Number </a:t>
+            </a:r>
+            <a:r>
+              <a:rPr lang="it-IT" dirty="0"/>
+              <a:t>of target </a:t>
+            </a:r>
+            <a:r>
+              <a:rPr lang="it-IT" dirty="0" err="1"/>
+              <a:t>products</a:t>
+            </a:r>
+            <a:r>
+              <a:rPr lang="it-IT" dirty="0"/>
+              <a:t>: T = 100</a:t>
+            </a:r>
+          </a:p>
+          <a:p>
+            <a:r>
+              <a:rPr lang="it-IT" dirty="0"/>
+              <a:t>Ratio sockpuppets/</a:t>
+            </a:r>
+            <a:r>
+              <a:rPr lang="it-IT" dirty="0" err="1"/>
+              <a:t>original</a:t>
+            </a:r>
+            <a:r>
+              <a:rPr lang="it-IT" dirty="0"/>
+              <a:t>:                           </a:t>
+            </a:r>
+            <a:r>
+              <a:rPr lang="it-IT" dirty="0">
+                <a:sym typeface="Symbol" panose="05050102010706020507" pitchFamily="18" charset="2"/>
+              </a:rPr>
+              <a:t></a:t>
+            </a:r>
+            <a:r>
+              <a:rPr lang="it-IT" dirty="0"/>
+              <a:t> {0%, 10%, …, 100%}</a:t>
+            </a:r>
+          </a:p>
+          <a:p>
+            <a:r>
+              <a:rPr lang="it-IT" dirty="0" err="1"/>
+              <a:t>Reviews</a:t>
+            </a:r>
+            <a:r>
+              <a:rPr lang="it-IT" dirty="0"/>
+              <a:t> by </a:t>
+            </a:r>
+            <a:r>
+              <a:rPr lang="it-IT" dirty="0" err="1"/>
+              <a:t>each</a:t>
+            </a:r>
+            <a:r>
+              <a:rPr lang="it-IT" dirty="0"/>
+              <a:t> sockpuppet: N </a:t>
+            </a:r>
+            <a:r>
+              <a:rPr lang="it-IT" dirty="0">
+                <a:sym typeface="Symbol" panose="05050102010706020507" pitchFamily="18" charset="2"/>
+              </a:rPr>
+              <a:t></a:t>
+            </a:r>
+            <a:r>
+              <a:rPr lang="it-IT" dirty="0"/>
+              <a:t> {1, 5, 10, 15, ..., 50}</a:t>
+            </a:r>
+          </a:p>
+          <a:p>
+            <a:r>
               <a:rPr lang="en-US" dirty="0"/>
-              <a:t>Rev2: </a:t>
-            </a:r>
-            <a:r>
-              <a:rPr lang="en-US" dirty="0" err="1"/>
-              <a:t>Srijan</a:t>
-            </a:r>
-            <a:r>
-              <a:rPr lang="en-US" dirty="0"/>
-              <a:t> Kumar, et al. REV2: Fraudulent User Prediction in Rating Platforms. (WSDM 2016)</a:t>
-            </a:r>
-          </a:p>
-          <a:p>
-            <a:r>
-              <a:rPr lang="en-US" dirty="0"/>
-              <a:t>Bad: Abhinav Mishra, Arnab Bhattacharya. Finding the Bias and Prestige of Nodes in Networks based on Trust Scores. (WWW 2011)</a:t>
-            </a:r>
-          </a:p>
-          <a:p>
-            <a:r>
-              <a:rPr lang="en-US" dirty="0" err="1"/>
-              <a:t>Birdnest</a:t>
-            </a:r>
-            <a:r>
-              <a:rPr lang="en-US" dirty="0"/>
-              <a:t>: Bryan </a:t>
-            </a:r>
-            <a:r>
-              <a:rPr lang="en-US" dirty="0" err="1"/>
-              <a:t>Hooi</a:t>
-            </a:r>
-            <a:r>
-              <a:rPr lang="en-US" dirty="0"/>
-              <a:t>, et al. Bayesian Inference for Ratings-Fraud Detection. (SIAM 2016)</a:t>
-            </a:r>
-          </a:p>
-          <a:p>
-            <a:r>
-              <a:rPr lang="en-US" dirty="0"/>
-              <a:t>Trust: Guan Wang, </a:t>
-            </a:r>
-            <a:r>
-              <a:rPr lang="en-US" dirty="0" err="1"/>
-              <a:t>Sihong</a:t>
-            </a:r>
-            <a:r>
-              <a:rPr lang="en-US" dirty="0"/>
-              <a:t> </a:t>
-            </a:r>
-            <a:r>
-              <a:rPr lang="en-US" dirty="0" err="1"/>
-              <a:t>Xie</a:t>
-            </a:r>
-            <a:r>
-              <a:rPr lang="en-US" dirty="0"/>
-              <a:t>, Bing Liu, Philip Yu. Review graph based online store review spammer detection. (ICDM 2011)</a:t>
-            </a:r>
-          </a:p>
-          <a:p>
-            <a:pPr lvl="1"/>
-            <a:endParaRPr lang="en-US" dirty="0"/>
-          </a:p>
-        </p:txBody>
-      </p:sp>
+              <a:t>Top percentile assumed as fraudulent: q </a:t>
+            </a:r>
+            <a:r>
+              <a:rPr lang="it-IT" dirty="0">
+                <a:sym typeface="Symbol" panose="05050102010706020507" pitchFamily="18" charset="2"/>
+              </a:rPr>
+              <a:t> {2%, 4%, ..., 20%}</a:t>
+            </a:r>
+            <a:endParaRPr lang="it-IT" dirty="0"/>
+          </a:p>
+          <a:p>
+            <a:endParaRPr lang="en-US" dirty="0">
+              <a:solidFill>
+                <a:srgbClr val="FF0000"/>
+              </a:solidFill>
+            </a:endParaRPr>
+          </a:p>
+          <a:p>
+            <a:endParaRPr lang="it-IT" dirty="0"/>
+          </a:p>
+          <a:p>
+            <a:endParaRPr lang="it-IT" dirty="0"/>
+          </a:p>
+        </p:txBody>
+      </p:sp>
+      <p:pic>
+        <p:nvPicPr>
+          <p:cNvPr id="4" name="Picture 3">
+            <a:extLst>
+              <a:ext uri="{FF2B5EF4-FFF2-40B4-BE49-F238E27FC236}">
+                <a16:creationId xmlns:a16="http://schemas.microsoft.com/office/drawing/2014/main" id="{562FCC44-E39C-9949-BE9E-3A46442A9353}"/>
+              </a:ext>
+            </a:extLst>
+          </p:cNvPr>
+          <p:cNvPicPr>
+            <a:picLocks noChangeAspect="1"/>
+          </p:cNvPicPr>
+          <p:nvPr/>
+        </p:nvPicPr>
+        <p:blipFill>
+          <a:blip r:embed="rId2"/>
+          <a:stretch>
+            <a:fillRect/>
+          </a:stretch>
+        </p:blipFill>
+        <p:spPr>
+          <a:xfrm>
+            <a:off x="5172328" y="3307194"/>
+            <a:ext cx="2064743" cy="634171"/>
+          </a:xfrm>
+          <a:prstGeom prst="rect">
+            <a:avLst/>
+          </a:prstGeom>
+        </p:spPr>
+      </p:pic>
     </p:spTree>
     <p:extLst>
       <p:ext uri="{BB962C8B-B14F-4D97-AF65-F5344CB8AC3E}">
-        <p14:creationId xmlns:p14="http://schemas.microsoft.com/office/powerpoint/2010/main" val="791042162"/>
+        <p14:creationId xmlns:p14="http://schemas.microsoft.com/office/powerpoint/2010/main" val="3309622766"/>
       </p:ext>
     </p:extLst>
   </p:cSld>
